--- a/DOC/ИСТ220-ТП-КП-Презентация-Крылов.pptx
+++ b/DOC/ИСТ220-ТП-КП-Презентация-Крылов.pptx
@@ -1,9 +1,12 @@
 
 <file path=ppt/presentation.xml><?xml version="1.0" encoding="utf-8"?>
-<p:presentation xmlns:a="http://schemas.openxmlformats.org/drawingml/2006/main" xmlns:r="http://schemas.openxmlformats.org/officeDocument/2006/relationships" xmlns:p="http://schemas.openxmlformats.org/presentationml/2006/main" autoCompressPictures="0">
+<p:presentation xmlns:a="http://schemas.openxmlformats.org/drawingml/2006/main" xmlns:r="http://schemas.openxmlformats.org/officeDocument/2006/relationships" xmlns:p="http://schemas.openxmlformats.org/presentationml/2006/main" showSpecialPlsOnTitleSld="0" autoCompressPictures="0">
   <p:sldMasterIdLst>
     <p:sldMasterId id="2147483648" r:id="rId1"/>
   </p:sldMasterIdLst>
+  <p:notesMasterIdLst>
+    <p:notesMasterId r:id="rId47"/>
+  </p:notesMasterIdLst>
   <p:sldIdLst>
     <p:sldId id="256" r:id="rId2"/>
     <p:sldId id="279" r:id="rId3"/>
@@ -49,6 +52,7 @@
     <p:sldId id="276" r:id="rId43"/>
     <p:sldId id="277" r:id="rId44"/>
     <p:sldId id="278" r:id="rId45"/>
+    <p:sldId id="300" r:id="rId46"/>
   </p:sldIdLst>
   <p:sldSz cx="12192000" cy="6858000"/>
   <p:notesSz cx="6858000" cy="9144000"/>
@@ -155,6 +159,355 @@
 </p:presentation>
 </file>
 
+<file path=ppt/notesMasters/notesMaster1.xml><?xml version="1.0" encoding="utf-8"?>
+<p:notesMaster xmlns:a="http://schemas.openxmlformats.org/drawingml/2006/main" xmlns:r="http://schemas.openxmlformats.org/officeDocument/2006/relationships" xmlns:p="http://schemas.openxmlformats.org/presentationml/2006/main">
+  <p:cSld>
+    <p:bg>
+      <p:bgRef idx="1001">
+        <a:schemeClr val="bg1"/>
+      </p:bgRef>
+    </p:bg>
+    <p:spTree>
+      <p:nvGrpSpPr>
+        <p:cNvPr id="1" name=""/>
+        <p:cNvGrpSpPr/>
+        <p:nvPr/>
+      </p:nvGrpSpPr>
+      <p:grpSpPr>
+        <a:xfrm>
+          <a:off x="0" y="0"/>
+          <a:ext cx="0" cy="0"/>
+          <a:chOff x="0" y="0"/>
+          <a:chExt cx="0" cy="0"/>
+        </a:xfrm>
+      </p:grpSpPr>
+      <p:sp>
+        <p:nvSpPr>
+          <p:cNvPr id="2" name="Верхний колонтитул 1"/>
+          <p:cNvSpPr>
+            <a:spLocks noGrp="1"/>
+          </p:cNvSpPr>
+          <p:nvPr>
+            <p:ph type="hdr" sz="quarter"/>
+          </p:nvPr>
+        </p:nvSpPr>
+        <p:spPr>
+          <a:xfrm>
+            <a:off x="0" y="0"/>
+            <a:ext cx="2971800" cy="458788"/>
+          </a:xfrm>
+          <a:prstGeom prst="rect">
+            <a:avLst/>
+          </a:prstGeom>
+        </p:spPr>
+        <p:txBody>
+          <a:bodyPr vert="horz" lIns="91440" tIns="45720" rIns="91440" bIns="45720" rtlCol="0"/>
+          <a:lstStyle>
+            <a:lvl1pPr algn="l">
+              <a:defRPr sz="1200"/>
+            </a:lvl1pPr>
+          </a:lstStyle>
+          <a:p>
+            <a:endParaRPr lang="ru-RU"/>
+          </a:p>
+        </p:txBody>
+      </p:sp>
+      <p:sp>
+        <p:nvSpPr>
+          <p:cNvPr id="3" name="Дата 2"/>
+          <p:cNvSpPr>
+            <a:spLocks noGrp="1"/>
+          </p:cNvSpPr>
+          <p:nvPr>
+            <p:ph type="dt" idx="1"/>
+          </p:nvPr>
+        </p:nvSpPr>
+        <p:spPr>
+          <a:xfrm>
+            <a:off x="3884613" y="0"/>
+            <a:ext cx="2971800" cy="458788"/>
+          </a:xfrm>
+          <a:prstGeom prst="rect">
+            <a:avLst/>
+          </a:prstGeom>
+        </p:spPr>
+        <p:txBody>
+          <a:bodyPr vert="horz" lIns="91440" tIns="45720" rIns="91440" bIns="45720" rtlCol="0"/>
+          <a:lstStyle>
+            <a:lvl1pPr algn="r">
+              <a:defRPr sz="1200"/>
+            </a:lvl1pPr>
+          </a:lstStyle>
+          <a:p>
+            <a:fld id="{BBA275C1-40AE-489C-AB11-D944FFA7832D}" type="datetimeFigureOut">
+              <a:rPr lang="ru-RU" smtClean="0"/>
+              <a:t>28.12.2022</a:t>
+            </a:fld>
+            <a:endParaRPr lang="ru-RU"/>
+          </a:p>
+        </p:txBody>
+      </p:sp>
+      <p:sp>
+        <p:nvSpPr>
+          <p:cNvPr id="4" name="Образ слайда 3"/>
+          <p:cNvSpPr>
+            <a:spLocks noGrp="1" noRot="1" noChangeAspect="1"/>
+          </p:cNvSpPr>
+          <p:nvPr>
+            <p:ph type="sldImg" idx="2"/>
+          </p:nvPr>
+        </p:nvSpPr>
+        <p:spPr>
+          <a:xfrm>
+            <a:off x="685800" y="1143000"/>
+            <a:ext cx="5486400" cy="3086100"/>
+          </a:xfrm>
+          <a:prstGeom prst="rect">
+            <a:avLst/>
+          </a:prstGeom>
+          <a:noFill/>
+          <a:ln w="12700">
+            <a:solidFill>
+              <a:prstClr val="black"/>
+            </a:solidFill>
+          </a:ln>
+        </p:spPr>
+        <p:txBody>
+          <a:bodyPr vert="horz" lIns="91440" tIns="45720" rIns="91440" bIns="45720" rtlCol="0" anchor="ctr"/>
+          <a:lstStyle/>
+          <a:p>
+            <a:endParaRPr lang="ru-RU"/>
+          </a:p>
+        </p:txBody>
+      </p:sp>
+      <p:sp>
+        <p:nvSpPr>
+          <p:cNvPr id="5" name="Заметки 4"/>
+          <p:cNvSpPr>
+            <a:spLocks noGrp="1"/>
+          </p:cNvSpPr>
+          <p:nvPr>
+            <p:ph type="body" sz="quarter" idx="3"/>
+          </p:nvPr>
+        </p:nvSpPr>
+        <p:spPr>
+          <a:xfrm>
+            <a:off x="685800" y="4400550"/>
+            <a:ext cx="5486400" cy="3600450"/>
+          </a:xfrm>
+          <a:prstGeom prst="rect">
+            <a:avLst/>
+          </a:prstGeom>
+        </p:spPr>
+        <p:txBody>
+          <a:bodyPr vert="horz" lIns="91440" tIns="45720" rIns="91440" bIns="45720" rtlCol="0"/>
+          <a:lstStyle/>
+          <a:p>
+            <a:pPr lvl="0"/>
+            <a:r>
+              <a:rPr lang="ru-RU"/>
+              <a:t>Образец текста</a:t>
+            </a:r>
+          </a:p>
+          <a:p>
+            <a:pPr lvl="1"/>
+            <a:r>
+              <a:rPr lang="ru-RU"/>
+              <a:t>Второй уровень</a:t>
+            </a:r>
+          </a:p>
+          <a:p>
+            <a:pPr lvl="2"/>
+            <a:r>
+              <a:rPr lang="ru-RU"/>
+              <a:t>Третий уровень</a:t>
+            </a:r>
+          </a:p>
+          <a:p>
+            <a:pPr lvl="3"/>
+            <a:r>
+              <a:rPr lang="ru-RU"/>
+              <a:t>Четвертый уровень</a:t>
+            </a:r>
+          </a:p>
+          <a:p>
+            <a:pPr lvl="4"/>
+            <a:r>
+              <a:rPr lang="ru-RU"/>
+              <a:t>Пятый уровень</a:t>
+            </a:r>
+          </a:p>
+        </p:txBody>
+      </p:sp>
+      <p:sp>
+        <p:nvSpPr>
+          <p:cNvPr id="6" name="Нижний колонтитул 5"/>
+          <p:cNvSpPr>
+            <a:spLocks noGrp="1"/>
+          </p:cNvSpPr>
+          <p:nvPr>
+            <p:ph type="ftr" sz="quarter" idx="4"/>
+          </p:nvPr>
+        </p:nvSpPr>
+        <p:spPr>
+          <a:xfrm>
+            <a:off x="0" y="8685213"/>
+            <a:ext cx="2971800" cy="458787"/>
+          </a:xfrm>
+          <a:prstGeom prst="rect">
+            <a:avLst/>
+          </a:prstGeom>
+        </p:spPr>
+        <p:txBody>
+          <a:bodyPr vert="horz" lIns="91440" tIns="45720" rIns="91440" bIns="45720" rtlCol="0" anchor="b"/>
+          <a:lstStyle>
+            <a:lvl1pPr algn="l">
+              <a:defRPr sz="1200"/>
+            </a:lvl1pPr>
+          </a:lstStyle>
+          <a:p>
+            <a:endParaRPr lang="ru-RU"/>
+          </a:p>
+        </p:txBody>
+      </p:sp>
+      <p:sp>
+        <p:nvSpPr>
+          <p:cNvPr id="7" name="Номер слайда 6"/>
+          <p:cNvSpPr>
+            <a:spLocks noGrp="1"/>
+          </p:cNvSpPr>
+          <p:nvPr>
+            <p:ph type="sldNum" sz="quarter" idx="5"/>
+          </p:nvPr>
+        </p:nvSpPr>
+        <p:spPr>
+          <a:xfrm>
+            <a:off x="3884613" y="8685213"/>
+            <a:ext cx="2971800" cy="458787"/>
+          </a:xfrm>
+          <a:prstGeom prst="rect">
+            <a:avLst/>
+          </a:prstGeom>
+        </p:spPr>
+        <p:txBody>
+          <a:bodyPr vert="horz" lIns="91440" tIns="45720" rIns="91440" bIns="45720" rtlCol="0" anchor="b"/>
+          <a:lstStyle>
+            <a:lvl1pPr algn="r">
+              <a:defRPr sz="1200"/>
+            </a:lvl1pPr>
+          </a:lstStyle>
+          <a:p>
+            <a:fld id="{90E1A793-F3A3-4AF2-872D-C1B4140DC863}" type="slidenum">
+              <a:rPr lang="ru-RU" smtClean="0"/>
+              <a:t>‹#›</a:t>
+            </a:fld>
+            <a:endParaRPr lang="ru-RU"/>
+          </a:p>
+        </p:txBody>
+      </p:sp>
+    </p:spTree>
+    <p:extLst>
+      <p:ext uri="{BB962C8B-B14F-4D97-AF65-F5344CB8AC3E}">
+        <p14:creationId xmlns:p14="http://schemas.microsoft.com/office/powerpoint/2010/main" val="3099380226"/>
+      </p:ext>
+    </p:extLst>
+  </p:cSld>
+  <p:clrMap bg1="lt1" tx1="dk1" bg2="lt2" tx2="dk2" accent1="accent1" accent2="accent2" accent3="accent3" accent4="accent4" accent5="accent5" accent6="accent6" hlink="hlink" folHlink="folHlink"/>
+  <p:notesStyle>
+    <a:lvl1pPr marL="0" algn="l" defTabSz="914400" rtl="0" eaLnBrk="1" latinLnBrk="0" hangingPunct="1">
+      <a:defRPr sz="1200" kern="1200">
+        <a:solidFill>
+          <a:schemeClr val="tx1"/>
+        </a:solidFill>
+        <a:latin typeface="+mn-lt"/>
+        <a:ea typeface="+mn-ea"/>
+        <a:cs typeface="+mn-cs"/>
+      </a:defRPr>
+    </a:lvl1pPr>
+    <a:lvl2pPr marL="457200" algn="l" defTabSz="914400" rtl="0" eaLnBrk="1" latinLnBrk="0" hangingPunct="1">
+      <a:defRPr sz="1200" kern="1200">
+        <a:solidFill>
+          <a:schemeClr val="tx1"/>
+        </a:solidFill>
+        <a:latin typeface="+mn-lt"/>
+        <a:ea typeface="+mn-ea"/>
+        <a:cs typeface="+mn-cs"/>
+      </a:defRPr>
+    </a:lvl2pPr>
+    <a:lvl3pPr marL="914400" algn="l" defTabSz="914400" rtl="0" eaLnBrk="1" latinLnBrk="0" hangingPunct="1">
+      <a:defRPr sz="1200" kern="1200">
+        <a:solidFill>
+          <a:schemeClr val="tx1"/>
+        </a:solidFill>
+        <a:latin typeface="+mn-lt"/>
+        <a:ea typeface="+mn-ea"/>
+        <a:cs typeface="+mn-cs"/>
+      </a:defRPr>
+    </a:lvl3pPr>
+    <a:lvl4pPr marL="1371600" algn="l" defTabSz="914400" rtl="0" eaLnBrk="1" latinLnBrk="0" hangingPunct="1">
+      <a:defRPr sz="1200" kern="1200">
+        <a:solidFill>
+          <a:schemeClr val="tx1"/>
+        </a:solidFill>
+        <a:latin typeface="+mn-lt"/>
+        <a:ea typeface="+mn-ea"/>
+        <a:cs typeface="+mn-cs"/>
+      </a:defRPr>
+    </a:lvl4pPr>
+    <a:lvl5pPr marL="1828800" algn="l" defTabSz="914400" rtl="0" eaLnBrk="1" latinLnBrk="0" hangingPunct="1">
+      <a:defRPr sz="1200" kern="1200">
+        <a:solidFill>
+          <a:schemeClr val="tx1"/>
+        </a:solidFill>
+        <a:latin typeface="+mn-lt"/>
+        <a:ea typeface="+mn-ea"/>
+        <a:cs typeface="+mn-cs"/>
+      </a:defRPr>
+    </a:lvl5pPr>
+    <a:lvl6pPr marL="2286000" algn="l" defTabSz="914400" rtl="0" eaLnBrk="1" latinLnBrk="0" hangingPunct="1">
+      <a:defRPr sz="1200" kern="1200">
+        <a:solidFill>
+          <a:schemeClr val="tx1"/>
+        </a:solidFill>
+        <a:latin typeface="+mn-lt"/>
+        <a:ea typeface="+mn-ea"/>
+        <a:cs typeface="+mn-cs"/>
+      </a:defRPr>
+    </a:lvl6pPr>
+    <a:lvl7pPr marL="2743200" algn="l" defTabSz="914400" rtl="0" eaLnBrk="1" latinLnBrk="0" hangingPunct="1">
+      <a:defRPr sz="1200" kern="1200">
+        <a:solidFill>
+          <a:schemeClr val="tx1"/>
+        </a:solidFill>
+        <a:latin typeface="+mn-lt"/>
+        <a:ea typeface="+mn-ea"/>
+        <a:cs typeface="+mn-cs"/>
+      </a:defRPr>
+    </a:lvl7pPr>
+    <a:lvl8pPr marL="3200400" algn="l" defTabSz="914400" rtl="0" eaLnBrk="1" latinLnBrk="0" hangingPunct="1">
+      <a:defRPr sz="1200" kern="1200">
+        <a:solidFill>
+          <a:schemeClr val="tx1"/>
+        </a:solidFill>
+        <a:latin typeface="+mn-lt"/>
+        <a:ea typeface="+mn-ea"/>
+        <a:cs typeface="+mn-cs"/>
+      </a:defRPr>
+    </a:lvl8pPr>
+    <a:lvl9pPr marL="3657600" algn="l" defTabSz="914400" rtl="0" eaLnBrk="1" latinLnBrk="0" hangingPunct="1">
+      <a:defRPr sz="1200" kern="1200">
+        <a:solidFill>
+          <a:schemeClr val="tx1"/>
+        </a:solidFill>
+        <a:latin typeface="+mn-lt"/>
+        <a:ea typeface="+mn-ea"/>
+        <a:cs typeface="+mn-cs"/>
+      </a:defRPr>
+    </a:lvl9pPr>
+  </p:notesStyle>
+</p:notesMaster>
+</file>
+
 <file path=ppt/slideLayouts/slideLayout1.xml><?xml version="1.0" encoding="utf-8"?>
 <p:sldLayout xmlns:a="http://schemas.openxmlformats.org/drawingml/2006/main" xmlns:r="http://schemas.openxmlformats.org/officeDocument/2006/relationships" xmlns:p="http://schemas.openxmlformats.org/presentationml/2006/main" showMasterSp="0" type="title" preserve="1">
   <p:cSld name="Титульный слайд">
@@ -322,10 +675,9 @@
             </a:lvl1pPr>
           </a:lstStyle>
           <a:p>
-            <a:fld id="{87DE6118-2437-4B30-8E3C-4D2BE6020583}" type="datetimeFigureOut">
-              <a:rPr lang="en-US" dirty="0"/>
-              <a:pPr/>
-              <a:t>12/22/2022</a:t>
+            <a:fld id="{6F2556A2-0805-46E6-BA5C-12E53EB099F7}" type="datetime1">
+              <a:rPr lang="en-US" smtClean="0"/>
+              <a:t>12/28/2022</a:t>
             </a:fld>
             <a:endParaRPr lang="en-US" dirty="0"/>
           </a:p>
@@ -649,9 +1001,9 @@
           <a:bodyPr/>
           <a:lstStyle/>
           <a:p>
-            <a:fld id="{87DE6118-2437-4B30-8E3C-4D2BE6020583}" type="datetimeFigureOut">
-              <a:rPr lang="en-US" dirty="0"/>
-              <a:t>12/22/2022</a:t>
+            <a:fld id="{9FE1E18D-BC4D-4FD6-9098-DAEB0F960B9F}" type="datetime1">
+              <a:rPr lang="en-US" smtClean="0"/>
+              <a:t>12/28/2022</a:t>
             </a:fld>
             <a:endParaRPr lang="en-US" dirty="0"/>
           </a:p>
@@ -824,9 +1176,9 @@
           <a:bodyPr/>
           <a:lstStyle/>
           <a:p>
-            <a:fld id="{87DE6118-2437-4B30-8E3C-4D2BE6020583}" type="datetimeFigureOut">
-              <a:rPr lang="en-US" dirty="0"/>
-              <a:t>12/22/2022</a:t>
+            <a:fld id="{28CDD340-5F3B-422B-83A8-E59DAFE77757}" type="datetime1">
+              <a:rPr lang="en-US" smtClean="0"/>
+              <a:t>12/28/2022</a:t>
             </a:fld>
             <a:endParaRPr lang="en-US" dirty="0"/>
           </a:p>
@@ -989,9 +1341,9 @@
           <a:bodyPr/>
           <a:lstStyle/>
           <a:p>
-            <a:fld id="{87DE6118-2437-4B30-8E3C-4D2BE6020583}" type="datetimeFigureOut">
-              <a:rPr lang="en-US" dirty="0"/>
-              <a:t>12/22/2022</a:t>
+            <a:fld id="{92C66218-1D2B-4FB5-9D27-BBBCCDABC68F}" type="datetime1">
+              <a:rPr lang="en-US" smtClean="0"/>
+              <a:t>12/28/2022</a:t>
             </a:fld>
             <a:endParaRPr lang="en-US" dirty="0"/>
           </a:p>
@@ -1261,10 +1613,9 @@
             </a:lvl1pPr>
           </a:lstStyle>
           <a:p>
-            <a:fld id="{87DE6118-2437-4B30-8E3C-4D2BE6020583}" type="datetimeFigureOut">
-              <a:rPr lang="en-US" dirty="0"/>
-              <a:pPr/>
-              <a:t>12/22/2022</a:t>
+            <a:fld id="{11E9BF86-D932-455C-83EB-55A59F902EE5}" type="datetime1">
+              <a:rPr lang="en-US" smtClean="0"/>
+              <a:t>12/28/2022</a:t>
             </a:fld>
             <a:endParaRPr lang="en-US" dirty="0"/>
           </a:p>
@@ -1652,9 +2003,9 @@
           <a:bodyPr/>
           <a:lstStyle/>
           <a:p>
-            <a:fld id="{87DE6118-2437-4B30-8E3C-4D2BE6020583}" type="datetimeFigureOut">
-              <a:rPr lang="en-US" dirty="0"/>
-              <a:t>12/22/2022</a:t>
+            <a:fld id="{31AF5411-3051-43B1-AA98-488C8BF9D19A}" type="datetime1">
+              <a:rPr lang="en-US" smtClean="0"/>
+              <a:t>12/28/2022</a:t>
             </a:fld>
             <a:endParaRPr lang="en-US" dirty="0"/>
           </a:p>
@@ -2124,9 +2475,9 @@
           <a:bodyPr/>
           <a:lstStyle/>
           <a:p>
-            <a:fld id="{87DE6118-2437-4B30-8E3C-4D2BE6020583}" type="datetimeFigureOut">
-              <a:rPr lang="en-US" dirty="0"/>
-              <a:t>12/22/2022</a:t>
+            <a:fld id="{481700C1-586A-40EC-9CF7-BD8A3705CC5B}" type="datetime1">
+              <a:rPr lang="en-US" smtClean="0"/>
+              <a:t>12/28/2022</a:t>
             </a:fld>
             <a:endParaRPr lang="en-US" dirty="0"/>
           </a:p>
@@ -2237,9 +2588,9 @@
           <a:bodyPr/>
           <a:lstStyle/>
           <a:p>
-            <a:fld id="{87DE6118-2437-4B30-8E3C-4D2BE6020583}" type="datetimeFigureOut">
-              <a:rPr lang="en-US" dirty="0"/>
-              <a:t>12/22/2022</a:t>
+            <a:fld id="{406CFC3A-C44E-4F4F-94B7-7F49CE363C88}" type="datetime1">
+              <a:rPr lang="en-US" smtClean="0"/>
+              <a:t>12/28/2022</a:t>
             </a:fld>
             <a:endParaRPr lang="en-US" dirty="0"/>
           </a:p>
@@ -2327,9 +2678,9 @@
           <a:bodyPr/>
           <a:lstStyle/>
           <a:p>
-            <a:fld id="{87DE6118-2437-4B30-8E3C-4D2BE6020583}" type="datetimeFigureOut">
-              <a:rPr lang="en-US" dirty="0"/>
-              <a:t>12/22/2022</a:t>
+            <a:fld id="{E199C022-6B99-4C29-B9D9-34360FE4087B}" type="datetime1">
+              <a:rPr lang="en-US" smtClean="0"/>
+              <a:t>12/28/2022</a:t>
             </a:fld>
             <a:endParaRPr lang="en-US" dirty="0"/>
           </a:p>
@@ -2668,10 +3019,9 @@
             </a:lvl1pPr>
           </a:lstStyle>
           <a:p>
-            <a:fld id="{87DE6118-2437-4B30-8E3C-4D2BE6020583}" type="datetimeFigureOut">
-              <a:rPr lang="en-US" dirty="0"/>
-              <a:pPr/>
-              <a:t>12/22/2022</a:t>
+            <a:fld id="{0D0A6BDF-90E7-4FFF-AD8A-03A5B3C5C448}" type="datetime1">
+              <a:rPr lang="en-US" smtClean="0"/>
+              <a:t>12/28/2022</a:t>
             </a:fld>
             <a:endParaRPr lang="en-US" dirty="0"/>
           </a:p>
@@ -3053,10 +3403,9 @@
             </a:lvl1pPr>
           </a:lstStyle>
           <a:p>
-            <a:fld id="{87DE6118-2437-4B30-8E3C-4D2BE6020583}" type="datetimeFigureOut">
-              <a:rPr lang="en-US" dirty="0"/>
-              <a:pPr/>
-              <a:t>12/22/2022</a:t>
+            <a:fld id="{1528CAA8-34C0-4770-BF02-45F4EE66E44E}" type="datetime1">
+              <a:rPr lang="en-US" smtClean="0"/>
+              <a:t>12/28/2022</a:t>
             </a:fld>
             <a:endParaRPr lang="en-US" dirty="0"/>
           </a:p>
@@ -3328,10 +3677,9 @@
             </a:lvl1pPr>
           </a:lstStyle>
           <a:p>
-            <a:fld id="{87DE6118-2437-4B30-8E3C-4D2BE6020583}" type="datetimeFigureOut">
-              <a:rPr lang="en-US" dirty="0"/>
-              <a:pPr/>
-              <a:t>12/22/2022</a:t>
+            <a:fld id="{95654ED9-01D8-4BE3-AAD5-6DCF91F57524}" type="datetime1">
+              <a:rPr lang="en-US" smtClean="0"/>
+              <a:t>12/28/2022</a:t>
             </a:fld>
             <a:endParaRPr lang="en-US" dirty="0"/>
           </a:p>
@@ -3466,6 +3814,7 @@
     <p:sldLayoutId id="2147483658" r:id="rId10"/>
     <p:sldLayoutId id="2147483659" r:id="rId11"/>
   </p:sldLayoutIdLst>
+  <p:hf hdr="0" ftr="0" dt="0"/>
   <p:txStyles>
     <p:titleStyle>
       <a:lvl1pPr algn="l" defTabSz="914400" rtl="0" eaLnBrk="1" latinLnBrk="0" hangingPunct="1">
@@ -3773,7 +4122,7 @@
       </a:lvl9pPr>
     </p:otherStyle>
   </p:txStyles>
-  <p:extLst>
+  <p:extLst mod="1">
     <p:ext uri="{27BBF7A9-308A-43DC-89C8-2F10F3537804}">
       <p15:sldGuideLst xmlns:p15="http://schemas.microsoft.com/office/powerpoint/2012/main">
         <p15:guide id="3" orient="horz" pos="1368">
@@ -4114,7 +4463,7 @@
           <a:graphicData uri="http://schemas.openxmlformats.org/presentationml/2006/ole">
             <mc:AlternateContent xmlns:mc="http://schemas.openxmlformats.org/markup-compatibility/2006">
               <mc:Choice xmlns:v="urn:schemas-microsoft-com:vml" Requires="v">
-                <p:oleObj spid="_x0000_s1049" name="Visio" r:id="rId3" imgW="14525549" imgH="14430241" progId="Visio.Drawing.15">
+                <p:oleObj spid="_x0000_s1074" name="Visio" r:id="rId3" imgW="14525549" imgH="14430241" progId="Visio.Drawing.15">
                   <p:embed/>
                 </p:oleObj>
               </mc:Choice>
@@ -4159,6 +4508,35 @@
           </a:graphicData>
         </a:graphic>
       </p:graphicFrame>
+      <p:sp>
+        <p:nvSpPr>
+          <p:cNvPr id="7" name="Номер слайда 6">
+            <a:extLst>
+              <a:ext uri="{FF2B5EF4-FFF2-40B4-BE49-F238E27FC236}">
+                <a16:creationId xmlns:a16="http://schemas.microsoft.com/office/drawing/2014/main" id="{2D6DC4AA-DB6D-4B6B-8D44-7323F1AAE35A}"/>
+              </a:ext>
+            </a:extLst>
+          </p:cNvPr>
+          <p:cNvSpPr>
+            <a:spLocks noGrp="1"/>
+          </p:cNvSpPr>
+          <p:nvPr>
+            <p:ph type="sldNum" sz="quarter" idx="12"/>
+          </p:nvPr>
+        </p:nvSpPr>
+        <p:spPr/>
+        <p:txBody>
+          <a:bodyPr/>
+          <a:lstStyle/>
+          <a:p>
+            <a:fld id="{69E57DC2-970A-4B3E-BB1C-7A09969E49DF}" type="slidenum">
+              <a:rPr lang="en-US" sz="2000" smtClean="0"/>
+              <a:t>10</a:t>
+            </a:fld>
+            <a:endParaRPr lang="en-US" sz="2000" dirty="0"/>
+          </a:p>
+        </p:txBody>
+      </p:sp>
     </p:spTree>
     <p:extLst>
       <p:ext uri="{BB962C8B-B14F-4D97-AF65-F5344CB8AC3E}">
@@ -4252,6 +4630,35 @@
           </a:prstGeom>
         </p:spPr>
       </p:pic>
+      <p:sp>
+        <p:nvSpPr>
+          <p:cNvPr id="4" name="Номер слайда 3">
+            <a:extLst>
+              <a:ext uri="{FF2B5EF4-FFF2-40B4-BE49-F238E27FC236}">
+                <a16:creationId xmlns:a16="http://schemas.microsoft.com/office/drawing/2014/main" id="{1D0F3095-82F2-404C-91F9-122F85A61B77}"/>
+              </a:ext>
+            </a:extLst>
+          </p:cNvPr>
+          <p:cNvSpPr>
+            <a:spLocks noGrp="1"/>
+          </p:cNvSpPr>
+          <p:nvPr>
+            <p:ph type="sldNum" sz="quarter" idx="12"/>
+          </p:nvPr>
+        </p:nvSpPr>
+        <p:spPr/>
+        <p:txBody>
+          <a:bodyPr/>
+          <a:lstStyle/>
+          <a:p>
+            <a:fld id="{69E57DC2-970A-4B3E-BB1C-7A09969E49DF}" type="slidenum">
+              <a:rPr lang="en-US" sz="2000" smtClean="0"/>
+              <a:t>11</a:t>
+            </a:fld>
+            <a:endParaRPr lang="en-US" sz="2000" dirty="0"/>
+          </a:p>
+        </p:txBody>
+      </p:sp>
     </p:spTree>
     <p:extLst>
       <p:ext uri="{BB962C8B-B14F-4D97-AF65-F5344CB8AC3E}">
@@ -4370,6 +4777,35 @@
           </a:prstGeom>
         </p:spPr>
       </p:pic>
+      <p:sp>
+        <p:nvSpPr>
+          <p:cNvPr id="6" name="Номер слайда 5">
+            <a:extLst>
+              <a:ext uri="{FF2B5EF4-FFF2-40B4-BE49-F238E27FC236}">
+                <a16:creationId xmlns:a16="http://schemas.microsoft.com/office/drawing/2014/main" id="{D6EDDDC0-75F4-4FDC-B3BF-261D9160F2EA}"/>
+              </a:ext>
+            </a:extLst>
+          </p:cNvPr>
+          <p:cNvSpPr>
+            <a:spLocks noGrp="1"/>
+          </p:cNvSpPr>
+          <p:nvPr>
+            <p:ph type="sldNum" sz="quarter" idx="12"/>
+          </p:nvPr>
+        </p:nvSpPr>
+        <p:spPr/>
+        <p:txBody>
+          <a:bodyPr/>
+          <a:lstStyle/>
+          <a:p>
+            <a:fld id="{69E57DC2-970A-4B3E-BB1C-7A09969E49DF}" type="slidenum">
+              <a:rPr lang="en-US" sz="2000" smtClean="0"/>
+              <a:t>12</a:t>
+            </a:fld>
+            <a:endParaRPr lang="en-US" sz="2000" dirty="0"/>
+          </a:p>
+        </p:txBody>
+      </p:sp>
     </p:spTree>
     <p:extLst>
       <p:ext uri="{BB962C8B-B14F-4D97-AF65-F5344CB8AC3E}">
@@ -4488,6 +4924,35 @@
           </a:prstGeom>
         </p:spPr>
       </p:pic>
+      <p:sp>
+        <p:nvSpPr>
+          <p:cNvPr id="6" name="Номер слайда 5">
+            <a:extLst>
+              <a:ext uri="{FF2B5EF4-FFF2-40B4-BE49-F238E27FC236}">
+                <a16:creationId xmlns:a16="http://schemas.microsoft.com/office/drawing/2014/main" id="{91798DB7-7443-4EE6-8E74-CE31FCD1E46B}"/>
+              </a:ext>
+            </a:extLst>
+          </p:cNvPr>
+          <p:cNvSpPr>
+            <a:spLocks noGrp="1"/>
+          </p:cNvSpPr>
+          <p:nvPr>
+            <p:ph type="sldNum" sz="quarter" idx="12"/>
+          </p:nvPr>
+        </p:nvSpPr>
+        <p:spPr/>
+        <p:txBody>
+          <a:bodyPr/>
+          <a:lstStyle/>
+          <a:p>
+            <a:fld id="{69E57DC2-970A-4B3E-BB1C-7A09969E49DF}" type="slidenum">
+              <a:rPr lang="en-US" sz="2000" smtClean="0"/>
+              <a:t>13</a:t>
+            </a:fld>
+            <a:endParaRPr lang="en-US" sz="2000" dirty="0"/>
+          </a:p>
+        </p:txBody>
+      </p:sp>
     </p:spTree>
     <p:extLst>
       <p:ext uri="{BB962C8B-B14F-4D97-AF65-F5344CB8AC3E}">
@@ -4606,6 +5071,35 @@
           </a:prstGeom>
         </p:spPr>
       </p:pic>
+      <p:sp>
+        <p:nvSpPr>
+          <p:cNvPr id="6" name="Номер слайда 5">
+            <a:extLst>
+              <a:ext uri="{FF2B5EF4-FFF2-40B4-BE49-F238E27FC236}">
+                <a16:creationId xmlns:a16="http://schemas.microsoft.com/office/drawing/2014/main" id="{D74B8A7C-342E-4924-B64A-74188E23A8D6}"/>
+              </a:ext>
+            </a:extLst>
+          </p:cNvPr>
+          <p:cNvSpPr>
+            <a:spLocks noGrp="1"/>
+          </p:cNvSpPr>
+          <p:nvPr>
+            <p:ph type="sldNum" sz="quarter" idx="12"/>
+          </p:nvPr>
+        </p:nvSpPr>
+        <p:spPr/>
+        <p:txBody>
+          <a:bodyPr/>
+          <a:lstStyle/>
+          <a:p>
+            <a:fld id="{69E57DC2-970A-4B3E-BB1C-7A09969E49DF}" type="slidenum">
+              <a:rPr lang="en-US" sz="2000" smtClean="0"/>
+              <a:t>14</a:t>
+            </a:fld>
+            <a:endParaRPr lang="en-US" sz="2000" dirty="0"/>
+          </a:p>
+        </p:txBody>
+      </p:sp>
     </p:spTree>
     <p:extLst>
       <p:ext uri="{BB962C8B-B14F-4D97-AF65-F5344CB8AC3E}">
@@ -4719,6 +5213,35 @@
           </a:prstGeom>
         </p:spPr>
       </p:pic>
+      <p:sp>
+        <p:nvSpPr>
+          <p:cNvPr id="6" name="Номер слайда 5">
+            <a:extLst>
+              <a:ext uri="{FF2B5EF4-FFF2-40B4-BE49-F238E27FC236}">
+                <a16:creationId xmlns:a16="http://schemas.microsoft.com/office/drawing/2014/main" id="{D07B8952-68EF-4F9F-A9EA-0C9024648AC9}"/>
+              </a:ext>
+            </a:extLst>
+          </p:cNvPr>
+          <p:cNvSpPr>
+            <a:spLocks noGrp="1"/>
+          </p:cNvSpPr>
+          <p:nvPr>
+            <p:ph type="sldNum" sz="quarter" idx="12"/>
+          </p:nvPr>
+        </p:nvSpPr>
+        <p:spPr/>
+        <p:txBody>
+          <a:bodyPr/>
+          <a:lstStyle/>
+          <a:p>
+            <a:fld id="{69E57DC2-970A-4B3E-BB1C-7A09969E49DF}" type="slidenum">
+              <a:rPr lang="en-US" sz="2000" smtClean="0"/>
+              <a:t>15</a:t>
+            </a:fld>
+            <a:endParaRPr lang="en-US" sz="2000" dirty="0"/>
+          </a:p>
+        </p:txBody>
+      </p:sp>
     </p:spTree>
     <p:extLst>
       <p:ext uri="{BB962C8B-B14F-4D97-AF65-F5344CB8AC3E}">
@@ -4832,6 +5355,35 @@
           </a:prstGeom>
         </p:spPr>
       </p:pic>
+      <p:sp>
+        <p:nvSpPr>
+          <p:cNvPr id="6" name="Номер слайда 5">
+            <a:extLst>
+              <a:ext uri="{FF2B5EF4-FFF2-40B4-BE49-F238E27FC236}">
+                <a16:creationId xmlns:a16="http://schemas.microsoft.com/office/drawing/2014/main" id="{1A2DC218-5355-4F3D-A95B-521FF205705D}"/>
+              </a:ext>
+            </a:extLst>
+          </p:cNvPr>
+          <p:cNvSpPr>
+            <a:spLocks noGrp="1"/>
+          </p:cNvSpPr>
+          <p:nvPr>
+            <p:ph type="sldNum" sz="quarter" idx="12"/>
+          </p:nvPr>
+        </p:nvSpPr>
+        <p:spPr/>
+        <p:txBody>
+          <a:bodyPr/>
+          <a:lstStyle/>
+          <a:p>
+            <a:fld id="{69E57DC2-970A-4B3E-BB1C-7A09969E49DF}" type="slidenum">
+              <a:rPr lang="en-US" sz="2000" smtClean="0"/>
+              <a:t>16</a:t>
+            </a:fld>
+            <a:endParaRPr lang="en-US" sz="2000" dirty="0"/>
+          </a:p>
+        </p:txBody>
+      </p:sp>
     </p:spTree>
     <p:extLst>
       <p:ext uri="{BB962C8B-B14F-4D97-AF65-F5344CB8AC3E}">
@@ -4992,7 +5544,7 @@
           <a:graphicData uri="http://schemas.openxmlformats.org/presentationml/2006/ole">
             <mc:AlternateContent xmlns:mc="http://schemas.openxmlformats.org/markup-compatibility/2006">
               <mc:Choice xmlns:v="urn:schemas-microsoft-com:vml" Requires="v">
-                <p:oleObj spid="_x0000_s2066" name="Visio" r:id="rId3" imgW="5095951" imgH="5657850" progId="Visio.Drawing.15">
+                <p:oleObj spid="_x0000_s2091" name="Visio" r:id="rId3" imgW="5095951" imgH="5657850" progId="Visio.Drawing.15">
                   <p:embed/>
                 </p:oleObj>
               </mc:Choice>
@@ -5031,6 +5583,35 @@
           </a:graphicData>
         </a:graphic>
       </p:graphicFrame>
+      <p:sp>
+        <p:nvSpPr>
+          <p:cNvPr id="6" name="Номер слайда 5">
+            <a:extLst>
+              <a:ext uri="{FF2B5EF4-FFF2-40B4-BE49-F238E27FC236}">
+                <a16:creationId xmlns:a16="http://schemas.microsoft.com/office/drawing/2014/main" id="{3E3E82DE-A7D0-4753-ABF4-5F2ED9C9EB17}"/>
+              </a:ext>
+            </a:extLst>
+          </p:cNvPr>
+          <p:cNvSpPr>
+            <a:spLocks noGrp="1"/>
+          </p:cNvSpPr>
+          <p:nvPr>
+            <p:ph type="sldNum" sz="quarter" idx="12"/>
+          </p:nvPr>
+        </p:nvSpPr>
+        <p:spPr/>
+        <p:txBody>
+          <a:bodyPr/>
+          <a:lstStyle/>
+          <a:p>
+            <a:fld id="{69E57DC2-970A-4B3E-BB1C-7A09969E49DF}" type="slidenum">
+              <a:rPr lang="en-US" sz="2000" smtClean="0"/>
+              <a:t>17</a:t>
+            </a:fld>
+            <a:endParaRPr lang="en-US" sz="2000" dirty="0"/>
+          </a:p>
+        </p:txBody>
+      </p:sp>
     </p:spTree>
     <p:extLst>
       <p:ext uri="{BB962C8B-B14F-4D97-AF65-F5344CB8AC3E}">
@@ -5216,7 +5797,7 @@
           <a:graphicData uri="http://schemas.openxmlformats.org/presentationml/2006/ole">
             <mc:AlternateContent xmlns:mc="http://schemas.openxmlformats.org/markup-compatibility/2006">
               <mc:Choice xmlns:v="urn:schemas-microsoft-com:vml" Requires="v">
-                <p:oleObj spid="_x0000_s3089" name="Visio" r:id="rId3" imgW="4933798" imgH="3952931" progId="Visio.Drawing.15">
+                <p:oleObj spid="_x0000_s3114" name="Visio" r:id="rId3" imgW="4933798" imgH="3952931" progId="Visio.Drawing.15">
                   <p:embed/>
                 </p:oleObj>
               </mc:Choice>
@@ -5261,6 +5842,35 @@
           </a:graphicData>
         </a:graphic>
       </p:graphicFrame>
+      <p:sp>
+        <p:nvSpPr>
+          <p:cNvPr id="7" name="Номер слайда 6">
+            <a:extLst>
+              <a:ext uri="{FF2B5EF4-FFF2-40B4-BE49-F238E27FC236}">
+                <a16:creationId xmlns:a16="http://schemas.microsoft.com/office/drawing/2014/main" id="{C5236194-B0D7-4436-8DBD-A74462D922FF}"/>
+              </a:ext>
+            </a:extLst>
+          </p:cNvPr>
+          <p:cNvSpPr>
+            <a:spLocks noGrp="1"/>
+          </p:cNvSpPr>
+          <p:nvPr>
+            <p:ph type="sldNum" sz="quarter" idx="12"/>
+          </p:nvPr>
+        </p:nvSpPr>
+        <p:spPr/>
+        <p:txBody>
+          <a:bodyPr/>
+          <a:lstStyle/>
+          <a:p>
+            <a:fld id="{69E57DC2-970A-4B3E-BB1C-7A09969E49DF}" type="slidenum">
+              <a:rPr lang="en-US" sz="2000" smtClean="0"/>
+              <a:t>18</a:t>
+            </a:fld>
+            <a:endParaRPr lang="en-US" sz="2000" dirty="0"/>
+          </a:p>
+        </p:txBody>
+      </p:sp>
     </p:spTree>
     <p:extLst>
       <p:ext uri="{BB962C8B-B14F-4D97-AF65-F5344CB8AC3E}">
@@ -5453,7 +6063,7 @@
           <a:graphicData uri="http://schemas.openxmlformats.org/presentationml/2006/ole">
             <mc:AlternateContent xmlns:mc="http://schemas.openxmlformats.org/markup-compatibility/2006">
               <mc:Choice xmlns:v="urn:schemas-microsoft-com:vml" Requires="v">
-                <p:oleObj spid="_x0000_s4110" name="Visio" r:id="rId3" imgW="8810549" imgH="7191218" progId="Visio.Drawing.15">
+                <p:oleObj spid="_x0000_s4135" name="Visio" r:id="rId3" imgW="8810549" imgH="7191218" progId="Visio.Drawing.15">
                   <p:embed/>
                 </p:oleObj>
               </mc:Choice>
@@ -5498,6 +6108,35 @@
           </a:graphicData>
         </a:graphic>
       </p:graphicFrame>
+      <p:sp>
+        <p:nvSpPr>
+          <p:cNvPr id="7" name="Номер слайда 6">
+            <a:extLst>
+              <a:ext uri="{FF2B5EF4-FFF2-40B4-BE49-F238E27FC236}">
+                <a16:creationId xmlns:a16="http://schemas.microsoft.com/office/drawing/2014/main" id="{66E1E1FA-B567-4DC7-BB46-99E206D51B4F}"/>
+              </a:ext>
+            </a:extLst>
+          </p:cNvPr>
+          <p:cNvSpPr>
+            <a:spLocks noGrp="1"/>
+          </p:cNvSpPr>
+          <p:nvPr>
+            <p:ph type="sldNum" sz="quarter" idx="12"/>
+          </p:nvPr>
+        </p:nvSpPr>
+        <p:spPr/>
+        <p:txBody>
+          <a:bodyPr/>
+          <a:lstStyle/>
+          <a:p>
+            <a:fld id="{69E57DC2-970A-4B3E-BB1C-7A09969E49DF}" type="slidenum">
+              <a:rPr lang="en-US" sz="2000" smtClean="0"/>
+              <a:t>19</a:t>
+            </a:fld>
+            <a:endParaRPr lang="en-US" sz="2000" dirty="0"/>
+          </a:p>
+        </p:txBody>
+      </p:sp>
     </p:spTree>
     <p:extLst>
       <p:ext uri="{BB962C8B-B14F-4D97-AF65-F5344CB8AC3E}">
@@ -5949,6 +6588,35 @@
           </a:p>
         </p:txBody>
       </p:sp>
+      <p:sp>
+        <p:nvSpPr>
+          <p:cNvPr id="4" name="Номер слайда 3">
+            <a:extLst>
+              <a:ext uri="{FF2B5EF4-FFF2-40B4-BE49-F238E27FC236}">
+                <a16:creationId xmlns:a16="http://schemas.microsoft.com/office/drawing/2014/main" id="{EA4B9D4C-D7A7-478F-AFA1-EF3743958029}"/>
+              </a:ext>
+            </a:extLst>
+          </p:cNvPr>
+          <p:cNvSpPr>
+            <a:spLocks noGrp="1"/>
+          </p:cNvSpPr>
+          <p:nvPr>
+            <p:ph type="sldNum" sz="quarter" idx="12"/>
+          </p:nvPr>
+        </p:nvSpPr>
+        <p:spPr/>
+        <p:txBody>
+          <a:bodyPr/>
+          <a:lstStyle/>
+          <a:p>
+            <a:fld id="{69E57DC2-970A-4B3E-BB1C-7A09969E49DF}" type="slidenum">
+              <a:rPr lang="en-US" sz="2000" smtClean="0"/>
+              <a:t>2</a:t>
+            </a:fld>
+            <a:endParaRPr lang="en-US" sz="2000" dirty="0"/>
+          </a:p>
+        </p:txBody>
+      </p:sp>
     </p:spTree>
     <p:extLst>
       <p:ext uri="{BB962C8B-B14F-4D97-AF65-F5344CB8AC3E}">
@@ -6125,6 +6793,35 @@
           </a:p>
         </p:txBody>
       </p:sp>
+      <p:sp>
+        <p:nvSpPr>
+          <p:cNvPr id="5" name="Номер слайда 4">
+            <a:extLst>
+              <a:ext uri="{FF2B5EF4-FFF2-40B4-BE49-F238E27FC236}">
+                <a16:creationId xmlns:a16="http://schemas.microsoft.com/office/drawing/2014/main" id="{E684C949-C71A-4D49-B961-DDAF448E2946}"/>
+              </a:ext>
+            </a:extLst>
+          </p:cNvPr>
+          <p:cNvSpPr>
+            <a:spLocks noGrp="1"/>
+          </p:cNvSpPr>
+          <p:nvPr>
+            <p:ph type="sldNum" sz="quarter" idx="12"/>
+          </p:nvPr>
+        </p:nvSpPr>
+        <p:spPr/>
+        <p:txBody>
+          <a:bodyPr/>
+          <a:lstStyle/>
+          <a:p>
+            <a:fld id="{69E57DC2-970A-4B3E-BB1C-7A09969E49DF}" type="slidenum">
+              <a:rPr lang="en-US" sz="2000" smtClean="0"/>
+              <a:t>20</a:t>
+            </a:fld>
+            <a:endParaRPr lang="en-US" sz="2000" dirty="0"/>
+          </a:p>
+        </p:txBody>
+      </p:sp>
     </p:spTree>
     <p:extLst>
       <p:ext uri="{BB962C8B-B14F-4D97-AF65-F5344CB8AC3E}">
@@ -6206,50 +6903,81 @@
         </p:nvSpPr>
         <p:spPr>
           <a:xfrm>
-            <a:off x="807578" y="864728"/>
-            <a:ext cx="9601200" cy="3581400"/>
-          </a:xfrm>
-        </p:spPr>
-        <p:txBody>
-          <a:bodyPr/>
-          <a:lstStyle/>
-          <a:p>
-            <a:r>
-              <a:rPr lang="ru-RU" dirty="0"/>
+            <a:off x="807577" y="864728"/>
+            <a:ext cx="11272127" cy="5279398"/>
+          </a:xfrm>
+        </p:spPr>
+        <p:txBody>
+          <a:bodyPr>
+            <a:normAutofit/>
+          </a:bodyPr>
+          <a:lstStyle/>
+          <a:p>
+            <a:r>
+              <a:rPr lang="ru-RU" sz="3200" dirty="0"/>
               <a:t>Для реализации аутентификации использовался API asp.net </a:t>
             </a:r>
             <a:r>
-              <a:rPr lang="ru-RU" dirty="0" err="1"/>
+              <a:rPr lang="ru-RU" sz="3200" dirty="0" err="1"/>
               <a:t>core</a:t>
             </a:r>
             <a:r>
-              <a:rPr lang="ru-RU" dirty="0"/>
+              <a:rPr lang="ru-RU" sz="3200" dirty="0"/>
               <a:t> 6 – </a:t>
             </a:r>
             <a:r>
-              <a:rPr lang="ru-RU" dirty="0" err="1"/>
+              <a:rPr lang="ru-RU" sz="3200" dirty="0" err="1"/>
               <a:t>Identity</a:t>
             </a:r>
             <a:r>
-              <a:rPr lang="ru-RU" dirty="0"/>
+              <a:rPr lang="ru-RU" sz="3200" dirty="0"/>
               <a:t>. С помощью него реализовывался стандартный пользователь системой, а также его права доступа на базе ролей. Для поддержки разных типов пользователей помимо ролей использовались собственные таблицы со значениями, которые были связаны с таблицами, которые были </a:t>
             </a:r>
             <a:r>
-              <a:rPr lang="ru-RU" dirty="0" err="1"/>
+              <a:rPr lang="ru-RU" sz="3200" dirty="0" err="1"/>
               <a:t>сгенерированны</a:t>
             </a:r>
             <a:r>
-              <a:rPr lang="ru-RU" dirty="0"/>
+              <a:rPr lang="ru-RU" sz="3200" dirty="0"/>
               <a:t> </a:t>
             </a:r>
             <a:r>
-              <a:rPr lang="ru-RU" dirty="0" err="1"/>
+              <a:rPr lang="ru-RU" sz="3200" dirty="0" err="1"/>
               <a:t>Identity</a:t>
             </a:r>
             <a:r>
-              <a:rPr lang="ru-RU" dirty="0"/>
+              <a:rPr lang="ru-RU" sz="3200" dirty="0"/>
               <a:t>.</a:t>
             </a:r>
+          </a:p>
+        </p:txBody>
+      </p:sp>
+      <p:sp>
+        <p:nvSpPr>
+          <p:cNvPr id="5" name="Номер слайда 4">
+            <a:extLst>
+              <a:ext uri="{FF2B5EF4-FFF2-40B4-BE49-F238E27FC236}">
+                <a16:creationId xmlns:a16="http://schemas.microsoft.com/office/drawing/2014/main" id="{385EC143-C31B-4DA1-88EC-8F6776EF4327}"/>
+              </a:ext>
+            </a:extLst>
+          </p:cNvPr>
+          <p:cNvSpPr>
+            <a:spLocks noGrp="1"/>
+          </p:cNvSpPr>
+          <p:nvPr>
+            <p:ph type="sldNum" sz="quarter" idx="12"/>
+          </p:nvPr>
+        </p:nvSpPr>
+        <p:spPr/>
+        <p:txBody>
+          <a:bodyPr/>
+          <a:lstStyle/>
+          <a:p>
+            <a:fld id="{69E57DC2-970A-4B3E-BB1C-7A09969E49DF}" type="slidenum">
+              <a:rPr lang="en-US" sz="2000" smtClean="0"/>
+              <a:t>21</a:t>
+            </a:fld>
+            <a:endParaRPr lang="en-US" sz="2000" dirty="0"/>
           </a:p>
         </p:txBody>
       </p:sp>
@@ -6355,7 +7083,7 @@
         </p:blipFill>
         <p:spPr>
           <a:xfrm>
-            <a:off x="481173" y="147415"/>
+            <a:off x="0" y="21150"/>
             <a:ext cx="11710827" cy="5846250"/>
           </a:xfrm>
           <a:prstGeom prst="rect">
@@ -6363,6 +7091,89 @@
           </a:prstGeom>
         </p:spPr>
       </p:pic>
+      <p:sp>
+        <p:nvSpPr>
+          <p:cNvPr id="6" name="Номер слайда 5">
+            <a:extLst>
+              <a:ext uri="{FF2B5EF4-FFF2-40B4-BE49-F238E27FC236}">
+                <a16:creationId xmlns:a16="http://schemas.microsoft.com/office/drawing/2014/main" id="{3DE7D588-8DFA-4F19-BD97-CB1B65B5D09F}"/>
+              </a:ext>
+            </a:extLst>
+          </p:cNvPr>
+          <p:cNvSpPr>
+            <a:spLocks noGrp="1"/>
+          </p:cNvSpPr>
+          <p:nvPr>
+            <p:ph type="sldNum" sz="quarter" idx="12"/>
+          </p:nvPr>
+        </p:nvSpPr>
+        <p:spPr/>
+        <p:txBody>
+          <a:bodyPr/>
+          <a:lstStyle/>
+          <a:p>
+            <a:fld id="{69E57DC2-970A-4B3E-BB1C-7A09969E49DF}" type="slidenum">
+              <a:rPr lang="en-US" sz="2000" smtClean="0"/>
+              <a:t>22</a:t>
+            </a:fld>
+            <a:endParaRPr lang="en-US" sz="2000" dirty="0"/>
+          </a:p>
+        </p:txBody>
+      </p:sp>
+      <p:sp>
+        <p:nvSpPr>
+          <p:cNvPr id="7" name="Заголовок 1">
+            <a:extLst>
+              <a:ext uri="{FF2B5EF4-FFF2-40B4-BE49-F238E27FC236}">
+                <a16:creationId xmlns:a16="http://schemas.microsoft.com/office/drawing/2014/main" id="{77D58C75-642C-422E-8C99-467BD8BBC3B0}"/>
+              </a:ext>
+            </a:extLst>
+          </p:cNvPr>
+          <p:cNvSpPr txBox="1">
+            <a:spLocks/>
+          </p:cNvSpPr>
+          <p:nvPr/>
+        </p:nvSpPr>
+        <p:spPr>
+          <a:xfrm>
+            <a:off x="6764518" y="2944275"/>
+            <a:ext cx="4208282" cy="1485900"/>
+          </a:xfrm>
+          <a:prstGeom prst="rect">
+            <a:avLst/>
+          </a:prstGeom>
+        </p:spPr>
+        <p:txBody>
+          <a:bodyPr vert="horz" lIns="91440" tIns="45720" rIns="91440" bIns="45720" rtlCol="0" anchor="t">
+            <a:normAutofit/>
+          </a:bodyPr>
+          <a:lstStyle>
+            <a:lvl1pPr algn="l" defTabSz="914400" rtl="0" eaLnBrk="1" latinLnBrk="0" hangingPunct="1">
+              <a:lnSpc>
+                <a:spcPct val="89000"/>
+              </a:lnSpc>
+              <a:spcBef>
+                <a:spcPct val="0"/>
+              </a:spcBef>
+              <a:buNone/>
+              <a:defRPr sz="4400" kern="1200" baseline="0">
+                <a:solidFill>
+                  <a:schemeClr val="tx2"/>
+                </a:solidFill>
+                <a:latin typeface="+mj-lt"/>
+                <a:ea typeface="+mj-ea"/>
+                <a:cs typeface="+mj-cs"/>
+              </a:defRPr>
+            </a:lvl1pPr>
+          </a:lstStyle>
+          <a:p>
+            <a:r>
+              <a:rPr lang="ru-RU" dirty="0"/>
+              <a:t>Точка зрения пациента</a:t>
+            </a:r>
+          </a:p>
+        </p:txBody>
+      </p:sp>
     </p:spTree>
     <p:extLst>
       <p:ext uri="{BB962C8B-B14F-4D97-AF65-F5344CB8AC3E}">
@@ -6465,14 +7276,97 @@
         </p:blipFill>
         <p:spPr>
           <a:xfrm>
-            <a:off x="1108105" y="122343"/>
-            <a:ext cx="10824870" cy="5406785"/>
+            <a:off x="360671" y="0"/>
+            <a:ext cx="11831329" cy="5909489"/>
           </a:xfrm>
           <a:prstGeom prst="rect">
             <a:avLst/>
           </a:prstGeom>
         </p:spPr>
       </p:pic>
+      <p:sp>
+        <p:nvSpPr>
+          <p:cNvPr id="6" name="Номер слайда 5">
+            <a:extLst>
+              <a:ext uri="{FF2B5EF4-FFF2-40B4-BE49-F238E27FC236}">
+                <a16:creationId xmlns:a16="http://schemas.microsoft.com/office/drawing/2014/main" id="{CBB450D9-2C9C-4F15-AB2A-89F0B27F91D8}"/>
+              </a:ext>
+            </a:extLst>
+          </p:cNvPr>
+          <p:cNvSpPr>
+            <a:spLocks noGrp="1"/>
+          </p:cNvSpPr>
+          <p:nvPr>
+            <p:ph type="sldNum" sz="quarter" idx="12"/>
+          </p:nvPr>
+        </p:nvSpPr>
+        <p:spPr/>
+        <p:txBody>
+          <a:bodyPr/>
+          <a:lstStyle/>
+          <a:p>
+            <a:fld id="{69E57DC2-970A-4B3E-BB1C-7A09969E49DF}" type="slidenum">
+              <a:rPr lang="en-US" sz="2000" smtClean="0"/>
+              <a:t>23</a:t>
+            </a:fld>
+            <a:endParaRPr lang="en-US" sz="2000" dirty="0"/>
+          </a:p>
+        </p:txBody>
+      </p:sp>
+      <p:sp>
+        <p:nvSpPr>
+          <p:cNvPr id="7" name="Заголовок 1">
+            <a:extLst>
+              <a:ext uri="{FF2B5EF4-FFF2-40B4-BE49-F238E27FC236}">
+                <a16:creationId xmlns:a16="http://schemas.microsoft.com/office/drawing/2014/main" id="{58331C9C-4ED9-476F-B3E4-0B1153D0D752}"/>
+              </a:ext>
+            </a:extLst>
+          </p:cNvPr>
+          <p:cNvSpPr txBox="1">
+            <a:spLocks/>
+          </p:cNvSpPr>
+          <p:nvPr/>
+        </p:nvSpPr>
+        <p:spPr>
+          <a:xfrm>
+            <a:off x="6172200" y="2902607"/>
+            <a:ext cx="4208282" cy="1485900"/>
+          </a:xfrm>
+          <a:prstGeom prst="rect">
+            <a:avLst/>
+          </a:prstGeom>
+        </p:spPr>
+        <p:txBody>
+          <a:bodyPr vert="horz" lIns="91440" tIns="45720" rIns="91440" bIns="45720" rtlCol="0" anchor="t">
+            <a:normAutofit/>
+          </a:bodyPr>
+          <a:lstStyle>
+            <a:lvl1pPr algn="l" defTabSz="914400" rtl="0" eaLnBrk="1" latinLnBrk="0" hangingPunct="1">
+              <a:lnSpc>
+                <a:spcPct val="89000"/>
+              </a:lnSpc>
+              <a:spcBef>
+                <a:spcPct val="0"/>
+              </a:spcBef>
+              <a:buNone/>
+              <a:defRPr sz="4400" kern="1200" baseline="0">
+                <a:solidFill>
+                  <a:schemeClr val="tx2"/>
+                </a:solidFill>
+                <a:latin typeface="+mj-lt"/>
+                <a:ea typeface="+mj-ea"/>
+                <a:cs typeface="+mj-cs"/>
+              </a:defRPr>
+            </a:lvl1pPr>
+          </a:lstStyle>
+          <a:p>
+            <a:r>
+              <a:rPr lang="ru-RU" dirty="0"/>
+              <a:t>Точка зрения пациента</a:t>
+            </a:r>
+          </a:p>
+        </p:txBody>
+      </p:sp>
     </p:spTree>
     <p:extLst>
       <p:ext uri="{BB962C8B-B14F-4D97-AF65-F5344CB8AC3E}">
@@ -6575,7 +7469,7 @@
         </p:blipFill>
         <p:spPr>
           <a:xfrm>
-            <a:off x="481639" y="162371"/>
+            <a:off x="0" y="-40105"/>
             <a:ext cx="11710361" cy="5794252"/>
           </a:xfrm>
           <a:prstGeom prst="rect">
@@ -6583,6 +7477,89 @@
           </a:prstGeom>
         </p:spPr>
       </p:pic>
+      <p:sp>
+        <p:nvSpPr>
+          <p:cNvPr id="6" name="Номер слайда 5">
+            <a:extLst>
+              <a:ext uri="{FF2B5EF4-FFF2-40B4-BE49-F238E27FC236}">
+                <a16:creationId xmlns:a16="http://schemas.microsoft.com/office/drawing/2014/main" id="{AC218DC3-4893-444F-8A95-6AE448E8C40B}"/>
+              </a:ext>
+            </a:extLst>
+          </p:cNvPr>
+          <p:cNvSpPr>
+            <a:spLocks noGrp="1"/>
+          </p:cNvSpPr>
+          <p:nvPr>
+            <p:ph type="sldNum" sz="quarter" idx="12"/>
+          </p:nvPr>
+        </p:nvSpPr>
+        <p:spPr/>
+        <p:txBody>
+          <a:bodyPr/>
+          <a:lstStyle/>
+          <a:p>
+            <a:fld id="{69E57DC2-970A-4B3E-BB1C-7A09969E49DF}" type="slidenum">
+              <a:rPr lang="en-US" sz="2000" smtClean="0"/>
+              <a:t>24</a:t>
+            </a:fld>
+            <a:endParaRPr lang="en-US" sz="2000" dirty="0"/>
+          </a:p>
+        </p:txBody>
+      </p:sp>
+      <p:sp>
+        <p:nvSpPr>
+          <p:cNvPr id="7" name="Заголовок 1">
+            <a:extLst>
+              <a:ext uri="{FF2B5EF4-FFF2-40B4-BE49-F238E27FC236}">
+                <a16:creationId xmlns:a16="http://schemas.microsoft.com/office/drawing/2014/main" id="{7FCA400C-4E96-48B4-990B-AFC6BC78FEA9}"/>
+              </a:ext>
+            </a:extLst>
+          </p:cNvPr>
+          <p:cNvSpPr txBox="1">
+            <a:spLocks/>
+          </p:cNvSpPr>
+          <p:nvPr/>
+        </p:nvSpPr>
+        <p:spPr>
+          <a:xfrm>
+            <a:off x="6096000" y="2757686"/>
+            <a:ext cx="4208282" cy="1485900"/>
+          </a:xfrm>
+          <a:prstGeom prst="rect">
+            <a:avLst/>
+          </a:prstGeom>
+        </p:spPr>
+        <p:txBody>
+          <a:bodyPr vert="horz" lIns="91440" tIns="45720" rIns="91440" bIns="45720" rtlCol="0" anchor="t">
+            <a:normAutofit/>
+          </a:bodyPr>
+          <a:lstStyle>
+            <a:lvl1pPr algn="l" defTabSz="914400" rtl="0" eaLnBrk="1" latinLnBrk="0" hangingPunct="1">
+              <a:lnSpc>
+                <a:spcPct val="89000"/>
+              </a:lnSpc>
+              <a:spcBef>
+                <a:spcPct val="0"/>
+              </a:spcBef>
+              <a:buNone/>
+              <a:defRPr sz="4400" kern="1200" baseline="0">
+                <a:solidFill>
+                  <a:schemeClr val="tx2"/>
+                </a:solidFill>
+                <a:latin typeface="+mj-lt"/>
+                <a:ea typeface="+mj-ea"/>
+                <a:cs typeface="+mj-cs"/>
+              </a:defRPr>
+            </a:lvl1pPr>
+          </a:lstStyle>
+          <a:p>
+            <a:r>
+              <a:rPr lang="ru-RU" dirty="0"/>
+              <a:t>Точка зрения пациента</a:t>
+            </a:r>
+          </a:p>
+        </p:txBody>
+      </p:sp>
     </p:spTree>
     <p:extLst>
       <p:ext uri="{BB962C8B-B14F-4D97-AF65-F5344CB8AC3E}">
@@ -6634,7 +7611,7 @@
           <a:bodyPr/>
           <a:lstStyle/>
           <a:p>
-            <a:endParaRPr lang="ru-RU"/>
+            <a:endParaRPr lang="ru-RU" dirty="0"/>
           </a:p>
         </p:txBody>
       </p:sp>
@@ -6707,22 +7684,104 @@
           </p:cNvPicPr>
           <p:nvPr/>
         </p:nvPicPr>
-        <p:blipFill>
+        <p:blipFill rotWithShape="1">
           <a:blip r:embed="rId3"/>
-          <a:stretch>
-            <a:fillRect/>
-          </a:stretch>
+          <a:srcRect b="45991"/>
+          <a:stretch/>
         </p:blipFill>
         <p:spPr>
           <a:xfrm>
-            <a:off x="2041169" y="1811709"/>
-            <a:ext cx="10150831" cy="5046292"/>
+            <a:off x="2028350" y="3605675"/>
+            <a:ext cx="10150831" cy="2725457"/>
           </a:xfrm>
           <a:prstGeom prst="rect">
             <a:avLst/>
           </a:prstGeom>
         </p:spPr>
       </p:pic>
+      <p:sp>
+        <p:nvSpPr>
+          <p:cNvPr id="6" name="Номер слайда 5">
+            <a:extLst>
+              <a:ext uri="{FF2B5EF4-FFF2-40B4-BE49-F238E27FC236}">
+                <a16:creationId xmlns:a16="http://schemas.microsoft.com/office/drawing/2014/main" id="{BCF9C563-BEBF-4092-9488-C4312324BD84}"/>
+              </a:ext>
+            </a:extLst>
+          </p:cNvPr>
+          <p:cNvSpPr>
+            <a:spLocks noGrp="1"/>
+          </p:cNvSpPr>
+          <p:nvPr>
+            <p:ph type="sldNum" sz="quarter" idx="12"/>
+          </p:nvPr>
+        </p:nvSpPr>
+        <p:spPr/>
+        <p:txBody>
+          <a:bodyPr/>
+          <a:lstStyle/>
+          <a:p>
+            <a:fld id="{69E57DC2-970A-4B3E-BB1C-7A09969E49DF}" type="slidenum">
+              <a:rPr lang="en-US" sz="2000" smtClean="0"/>
+              <a:t>25</a:t>
+            </a:fld>
+            <a:endParaRPr lang="en-US" sz="2000" dirty="0"/>
+          </a:p>
+        </p:txBody>
+      </p:sp>
+      <p:sp>
+        <p:nvSpPr>
+          <p:cNvPr id="8" name="Заголовок 1">
+            <a:extLst>
+              <a:ext uri="{FF2B5EF4-FFF2-40B4-BE49-F238E27FC236}">
+                <a16:creationId xmlns:a16="http://schemas.microsoft.com/office/drawing/2014/main" id="{72AF65DF-AAC2-47E2-99CD-D3967DCAF6B7}"/>
+              </a:ext>
+            </a:extLst>
+          </p:cNvPr>
+          <p:cNvSpPr txBox="1">
+            <a:spLocks/>
+          </p:cNvSpPr>
+          <p:nvPr/>
+        </p:nvSpPr>
+        <p:spPr>
+          <a:xfrm>
+            <a:off x="6764518" y="800100"/>
+            <a:ext cx="4208282" cy="1485900"/>
+          </a:xfrm>
+          <a:prstGeom prst="rect">
+            <a:avLst/>
+          </a:prstGeom>
+        </p:spPr>
+        <p:txBody>
+          <a:bodyPr vert="horz" lIns="91440" tIns="45720" rIns="91440" bIns="45720" rtlCol="0" anchor="t">
+            <a:normAutofit/>
+          </a:bodyPr>
+          <a:lstStyle>
+            <a:lvl1pPr algn="l" defTabSz="914400" rtl="0" eaLnBrk="1" latinLnBrk="0" hangingPunct="1">
+              <a:lnSpc>
+                <a:spcPct val="89000"/>
+              </a:lnSpc>
+              <a:spcBef>
+                <a:spcPct val="0"/>
+              </a:spcBef>
+              <a:buNone/>
+              <a:defRPr sz="4400" kern="1200" baseline="0">
+                <a:solidFill>
+                  <a:schemeClr val="tx2"/>
+                </a:solidFill>
+                <a:latin typeface="+mj-lt"/>
+                <a:ea typeface="+mj-ea"/>
+                <a:cs typeface="+mj-cs"/>
+              </a:defRPr>
+            </a:lvl1pPr>
+          </a:lstStyle>
+          <a:p>
+            <a:r>
+              <a:rPr lang="ru-RU" dirty="0"/>
+              <a:t>Точка зрения пациента</a:t>
+            </a:r>
+          </a:p>
+        </p:txBody>
+      </p:sp>
     </p:spTree>
     <p:extLst>
       <p:ext uri="{BB962C8B-B14F-4D97-AF65-F5344CB8AC3E}">
@@ -6769,37 +7828,20 @@
             <p:ph type="title"/>
           </p:nvPr>
         </p:nvSpPr>
-        <p:spPr/>
-        <p:txBody>
-          <a:bodyPr/>
-          <a:lstStyle/>
-          <a:p>
-            <a:endParaRPr lang="ru-RU"/>
-          </a:p>
-        </p:txBody>
-      </p:sp>
-      <p:sp>
-        <p:nvSpPr>
-          <p:cNvPr id="3" name="Объект 2">
-            <a:extLst>
-              <a:ext uri="{FF2B5EF4-FFF2-40B4-BE49-F238E27FC236}">
-                <a16:creationId xmlns:a16="http://schemas.microsoft.com/office/drawing/2014/main" id="{A5587B43-D290-4290-BA5E-5110791B0EBD}"/>
-              </a:ext>
-            </a:extLst>
-          </p:cNvPr>
-          <p:cNvSpPr>
-            <a:spLocks noGrp="1"/>
-          </p:cNvSpPr>
-          <p:nvPr>
-            <p:ph idx="1"/>
-          </p:nvPr>
-        </p:nvSpPr>
-        <p:spPr/>
-        <p:txBody>
-          <a:bodyPr/>
-          <a:lstStyle/>
-          <a:p>
-            <a:endParaRPr lang="ru-RU" dirty="0"/>
+        <p:spPr>
+          <a:xfrm>
+            <a:off x="7377390" y="4076700"/>
+            <a:ext cx="4208282" cy="1485900"/>
+          </a:xfrm>
+        </p:spPr>
+        <p:txBody>
+          <a:bodyPr/>
+          <a:lstStyle/>
+          <a:p>
+            <a:r>
+              <a:rPr lang="ru-RU" dirty="0"/>
+              <a:t>Точка зрения админа</a:t>
+            </a:r>
           </a:p>
         </p:txBody>
       </p:sp>
@@ -6893,6 +7935,35 @@
           </a:prstGeom>
         </p:spPr>
       </p:pic>
+      <p:sp>
+        <p:nvSpPr>
+          <p:cNvPr id="6" name="Номер слайда 5">
+            <a:extLst>
+              <a:ext uri="{FF2B5EF4-FFF2-40B4-BE49-F238E27FC236}">
+                <a16:creationId xmlns:a16="http://schemas.microsoft.com/office/drawing/2014/main" id="{ABB7B27E-BABF-477F-898D-28DB807A0646}"/>
+              </a:ext>
+            </a:extLst>
+          </p:cNvPr>
+          <p:cNvSpPr>
+            <a:spLocks noGrp="1"/>
+          </p:cNvSpPr>
+          <p:nvPr>
+            <p:ph type="sldNum" sz="quarter" idx="12"/>
+          </p:nvPr>
+        </p:nvSpPr>
+        <p:spPr/>
+        <p:txBody>
+          <a:bodyPr/>
+          <a:lstStyle/>
+          <a:p>
+            <a:fld id="{69E57DC2-970A-4B3E-BB1C-7A09969E49DF}" type="slidenum">
+              <a:rPr lang="en-US" sz="2000" smtClean="0"/>
+              <a:t>26</a:t>
+            </a:fld>
+            <a:endParaRPr lang="en-US" sz="2000" dirty="0"/>
+          </a:p>
+        </p:txBody>
+      </p:sp>
     </p:spTree>
     <p:extLst>
       <p:ext uri="{BB962C8B-B14F-4D97-AF65-F5344CB8AC3E}">
@@ -6995,7 +8066,7 @@
         </p:blipFill>
         <p:spPr>
           <a:xfrm>
-            <a:off x="847400" y="170917"/>
+            <a:off x="0" y="0"/>
             <a:ext cx="11230098" cy="5033472"/>
           </a:xfrm>
           <a:prstGeom prst="rect">
@@ -7003,6 +8074,89 @@
           </a:prstGeom>
         </p:spPr>
       </p:pic>
+      <p:sp>
+        <p:nvSpPr>
+          <p:cNvPr id="5" name="Номер слайда 4">
+            <a:extLst>
+              <a:ext uri="{FF2B5EF4-FFF2-40B4-BE49-F238E27FC236}">
+                <a16:creationId xmlns:a16="http://schemas.microsoft.com/office/drawing/2014/main" id="{CDB327AF-1E79-42C1-9852-94A67AA10012}"/>
+              </a:ext>
+            </a:extLst>
+          </p:cNvPr>
+          <p:cNvSpPr>
+            <a:spLocks noGrp="1"/>
+          </p:cNvSpPr>
+          <p:nvPr>
+            <p:ph type="sldNum" sz="quarter" idx="12"/>
+          </p:nvPr>
+        </p:nvSpPr>
+        <p:spPr/>
+        <p:txBody>
+          <a:bodyPr/>
+          <a:lstStyle/>
+          <a:p>
+            <a:fld id="{69E57DC2-970A-4B3E-BB1C-7A09969E49DF}" type="slidenum">
+              <a:rPr lang="en-US" sz="2000" smtClean="0"/>
+              <a:t>27</a:t>
+            </a:fld>
+            <a:endParaRPr lang="en-US" sz="2000" dirty="0"/>
+          </a:p>
+        </p:txBody>
+      </p:sp>
+      <p:sp>
+        <p:nvSpPr>
+          <p:cNvPr id="8" name="Заголовок 1">
+            <a:extLst>
+              <a:ext uri="{FF2B5EF4-FFF2-40B4-BE49-F238E27FC236}">
+                <a16:creationId xmlns:a16="http://schemas.microsoft.com/office/drawing/2014/main" id="{1381FBEA-79C4-498A-86AC-67812C11B31D}"/>
+              </a:ext>
+            </a:extLst>
+          </p:cNvPr>
+          <p:cNvSpPr txBox="1">
+            <a:spLocks/>
+          </p:cNvSpPr>
+          <p:nvPr/>
+        </p:nvSpPr>
+        <p:spPr>
+          <a:xfrm>
+            <a:off x="6475761" y="5238750"/>
+            <a:ext cx="4208282" cy="1485900"/>
+          </a:xfrm>
+          <a:prstGeom prst="rect">
+            <a:avLst/>
+          </a:prstGeom>
+        </p:spPr>
+        <p:txBody>
+          <a:bodyPr vert="horz" lIns="91440" tIns="45720" rIns="91440" bIns="45720" rtlCol="0" anchor="t">
+            <a:normAutofit/>
+          </a:bodyPr>
+          <a:lstStyle>
+            <a:lvl1pPr algn="l" defTabSz="914400" rtl="0" eaLnBrk="1" latinLnBrk="0" hangingPunct="1">
+              <a:lnSpc>
+                <a:spcPct val="89000"/>
+              </a:lnSpc>
+              <a:spcBef>
+                <a:spcPct val="0"/>
+              </a:spcBef>
+              <a:buNone/>
+              <a:defRPr sz="4400" kern="1200" baseline="0">
+                <a:solidFill>
+                  <a:schemeClr val="tx2"/>
+                </a:solidFill>
+                <a:latin typeface="+mj-lt"/>
+                <a:ea typeface="+mj-ea"/>
+                <a:cs typeface="+mj-cs"/>
+              </a:defRPr>
+            </a:lvl1pPr>
+          </a:lstStyle>
+          <a:p>
+            <a:r>
+              <a:rPr lang="ru-RU" dirty="0"/>
+              <a:t>Точка зрения доктора</a:t>
+            </a:r>
+          </a:p>
+        </p:txBody>
+      </p:sp>
     </p:spTree>
     <p:extLst>
       <p:ext uri="{BB962C8B-B14F-4D97-AF65-F5344CB8AC3E}">
@@ -7113,6 +8267,89 @@
           </a:prstGeom>
         </p:spPr>
       </p:pic>
+      <p:sp>
+        <p:nvSpPr>
+          <p:cNvPr id="6" name="Номер слайда 5">
+            <a:extLst>
+              <a:ext uri="{FF2B5EF4-FFF2-40B4-BE49-F238E27FC236}">
+                <a16:creationId xmlns:a16="http://schemas.microsoft.com/office/drawing/2014/main" id="{5BA4E470-65B5-4D6E-9898-C2FB5D5ED0AA}"/>
+              </a:ext>
+            </a:extLst>
+          </p:cNvPr>
+          <p:cNvSpPr>
+            <a:spLocks noGrp="1"/>
+          </p:cNvSpPr>
+          <p:nvPr>
+            <p:ph type="sldNum" sz="quarter" idx="12"/>
+          </p:nvPr>
+        </p:nvSpPr>
+        <p:spPr/>
+        <p:txBody>
+          <a:bodyPr/>
+          <a:lstStyle/>
+          <a:p>
+            <a:fld id="{69E57DC2-970A-4B3E-BB1C-7A09969E49DF}" type="slidenum">
+              <a:rPr lang="en-US" sz="2000" smtClean="0"/>
+              <a:t>28</a:t>
+            </a:fld>
+            <a:endParaRPr lang="en-US" sz="2000" dirty="0"/>
+          </a:p>
+        </p:txBody>
+      </p:sp>
+      <p:sp>
+        <p:nvSpPr>
+          <p:cNvPr id="7" name="Заголовок 1">
+            <a:extLst>
+              <a:ext uri="{FF2B5EF4-FFF2-40B4-BE49-F238E27FC236}">
+                <a16:creationId xmlns:a16="http://schemas.microsoft.com/office/drawing/2014/main" id="{7CCC1C77-80B4-4A05-B301-EB1672D87773}"/>
+              </a:ext>
+            </a:extLst>
+          </p:cNvPr>
+          <p:cNvSpPr txBox="1">
+            <a:spLocks/>
+          </p:cNvSpPr>
+          <p:nvPr/>
+        </p:nvSpPr>
+        <p:spPr>
+          <a:xfrm>
+            <a:off x="8118505" y="4495800"/>
+            <a:ext cx="3688484" cy="1485900"/>
+          </a:xfrm>
+          <a:prstGeom prst="rect">
+            <a:avLst/>
+          </a:prstGeom>
+        </p:spPr>
+        <p:txBody>
+          <a:bodyPr vert="horz" lIns="91440" tIns="45720" rIns="91440" bIns="45720" rtlCol="0" anchor="t">
+            <a:normAutofit/>
+          </a:bodyPr>
+          <a:lstStyle>
+            <a:lvl1pPr algn="l" defTabSz="914400" rtl="0" eaLnBrk="1" latinLnBrk="0" hangingPunct="1">
+              <a:lnSpc>
+                <a:spcPct val="89000"/>
+              </a:lnSpc>
+              <a:spcBef>
+                <a:spcPct val="0"/>
+              </a:spcBef>
+              <a:buNone/>
+              <a:defRPr sz="4400" kern="1200" baseline="0">
+                <a:solidFill>
+                  <a:schemeClr val="tx2"/>
+                </a:solidFill>
+                <a:latin typeface="+mj-lt"/>
+                <a:ea typeface="+mj-ea"/>
+                <a:cs typeface="+mj-cs"/>
+              </a:defRPr>
+            </a:lvl1pPr>
+          </a:lstStyle>
+          <a:p>
+            <a:r>
+              <a:rPr lang="ru-RU" dirty="0"/>
+              <a:t>Точка зрения доктора</a:t>
+            </a:r>
+          </a:p>
+        </p:txBody>
+      </p:sp>
     </p:spTree>
     <p:extLst>
       <p:ext uri="{BB962C8B-B14F-4D97-AF65-F5344CB8AC3E}">
@@ -7215,7 +8452,7 @@
         </p:blipFill>
         <p:spPr>
           <a:xfrm>
-            <a:off x="1347044" y="85458"/>
+            <a:off x="0" y="0"/>
             <a:ext cx="9650311" cy="6550351"/>
           </a:xfrm>
           <a:prstGeom prst="rect">
@@ -7223,6 +8460,89 @@
           </a:prstGeom>
         </p:spPr>
       </p:pic>
+      <p:sp>
+        <p:nvSpPr>
+          <p:cNvPr id="5" name="Номер слайда 4">
+            <a:extLst>
+              <a:ext uri="{FF2B5EF4-FFF2-40B4-BE49-F238E27FC236}">
+                <a16:creationId xmlns:a16="http://schemas.microsoft.com/office/drawing/2014/main" id="{95D3CFF5-2AC3-48E9-A85C-6BC4127E81C6}"/>
+              </a:ext>
+            </a:extLst>
+          </p:cNvPr>
+          <p:cNvSpPr>
+            <a:spLocks noGrp="1"/>
+          </p:cNvSpPr>
+          <p:nvPr>
+            <p:ph type="sldNum" sz="quarter" idx="12"/>
+          </p:nvPr>
+        </p:nvSpPr>
+        <p:spPr/>
+        <p:txBody>
+          <a:bodyPr/>
+          <a:lstStyle/>
+          <a:p>
+            <a:fld id="{69E57DC2-970A-4B3E-BB1C-7A09969E49DF}" type="slidenum">
+              <a:rPr lang="en-US" sz="2000" smtClean="0"/>
+              <a:t>29</a:t>
+            </a:fld>
+            <a:endParaRPr lang="en-US" sz="2000" dirty="0"/>
+          </a:p>
+        </p:txBody>
+      </p:sp>
+      <p:sp>
+        <p:nvSpPr>
+          <p:cNvPr id="8" name="Заголовок 1">
+            <a:extLst>
+              <a:ext uri="{FF2B5EF4-FFF2-40B4-BE49-F238E27FC236}">
+                <a16:creationId xmlns:a16="http://schemas.microsoft.com/office/drawing/2014/main" id="{96D6D2B8-C42C-4662-89AA-C362C55A0376}"/>
+              </a:ext>
+            </a:extLst>
+          </p:cNvPr>
+          <p:cNvSpPr txBox="1">
+            <a:spLocks/>
+          </p:cNvSpPr>
+          <p:nvPr/>
+        </p:nvSpPr>
+        <p:spPr>
+          <a:xfrm>
+            <a:off x="7368595" y="2976813"/>
+            <a:ext cx="4208282" cy="1485900"/>
+          </a:xfrm>
+          <a:prstGeom prst="rect">
+            <a:avLst/>
+          </a:prstGeom>
+        </p:spPr>
+        <p:txBody>
+          <a:bodyPr vert="horz" lIns="91440" tIns="45720" rIns="91440" bIns="45720" rtlCol="0" anchor="t">
+            <a:normAutofit/>
+          </a:bodyPr>
+          <a:lstStyle>
+            <a:lvl1pPr algn="l" defTabSz="914400" rtl="0" eaLnBrk="1" latinLnBrk="0" hangingPunct="1">
+              <a:lnSpc>
+                <a:spcPct val="89000"/>
+              </a:lnSpc>
+              <a:spcBef>
+                <a:spcPct val="0"/>
+              </a:spcBef>
+              <a:buNone/>
+              <a:defRPr sz="4400" kern="1200" baseline="0">
+                <a:solidFill>
+                  <a:schemeClr val="tx2"/>
+                </a:solidFill>
+                <a:latin typeface="+mj-lt"/>
+                <a:ea typeface="+mj-ea"/>
+                <a:cs typeface="+mj-cs"/>
+              </a:defRPr>
+            </a:lvl1pPr>
+          </a:lstStyle>
+          <a:p>
+            <a:r>
+              <a:rPr lang="ru-RU" dirty="0"/>
+              <a:t>Точка зрения доктора</a:t>
+            </a:r>
+          </a:p>
+        </p:txBody>
+      </p:sp>
     </p:spTree>
     <p:extLst>
       <p:ext uri="{BB962C8B-B14F-4D97-AF65-F5344CB8AC3E}">
@@ -7393,6 +8713,35 @@
           </a:p>
         </p:txBody>
       </p:sp>
+      <p:sp>
+        <p:nvSpPr>
+          <p:cNvPr id="5" name="Номер слайда 4">
+            <a:extLst>
+              <a:ext uri="{FF2B5EF4-FFF2-40B4-BE49-F238E27FC236}">
+                <a16:creationId xmlns:a16="http://schemas.microsoft.com/office/drawing/2014/main" id="{9DF208F8-151D-4F64-B881-B307A870F50E}"/>
+              </a:ext>
+            </a:extLst>
+          </p:cNvPr>
+          <p:cNvSpPr>
+            <a:spLocks noGrp="1"/>
+          </p:cNvSpPr>
+          <p:nvPr>
+            <p:ph type="sldNum" sz="quarter" idx="12"/>
+          </p:nvPr>
+        </p:nvSpPr>
+        <p:spPr/>
+        <p:txBody>
+          <a:bodyPr/>
+          <a:lstStyle/>
+          <a:p>
+            <a:fld id="{69E57DC2-970A-4B3E-BB1C-7A09969E49DF}" type="slidenum">
+              <a:rPr lang="en-US" sz="2000" smtClean="0"/>
+              <a:t>3</a:t>
+            </a:fld>
+            <a:endParaRPr lang="en-US" sz="2000" dirty="0"/>
+          </a:p>
+        </p:txBody>
+      </p:sp>
     </p:spTree>
     <p:extLst>
       <p:ext uri="{BB962C8B-B14F-4D97-AF65-F5344CB8AC3E}">
@@ -7495,7 +8844,7 @@
         </p:blipFill>
         <p:spPr>
           <a:xfrm>
-            <a:off x="854578" y="834721"/>
+            <a:off x="0" y="0"/>
             <a:ext cx="11405787" cy="5609403"/>
           </a:xfrm>
           <a:prstGeom prst="rect">
@@ -7503,6 +8852,89 @@
           </a:prstGeom>
         </p:spPr>
       </p:pic>
+      <p:sp>
+        <p:nvSpPr>
+          <p:cNvPr id="5" name="Номер слайда 4">
+            <a:extLst>
+              <a:ext uri="{FF2B5EF4-FFF2-40B4-BE49-F238E27FC236}">
+                <a16:creationId xmlns:a16="http://schemas.microsoft.com/office/drawing/2014/main" id="{51F736A2-08C5-4F88-BD16-044ED93E8380}"/>
+              </a:ext>
+            </a:extLst>
+          </p:cNvPr>
+          <p:cNvSpPr>
+            <a:spLocks noGrp="1"/>
+          </p:cNvSpPr>
+          <p:nvPr>
+            <p:ph type="sldNum" sz="quarter" idx="12"/>
+          </p:nvPr>
+        </p:nvSpPr>
+        <p:spPr/>
+        <p:txBody>
+          <a:bodyPr/>
+          <a:lstStyle/>
+          <a:p>
+            <a:fld id="{69E57DC2-970A-4B3E-BB1C-7A09969E49DF}" type="slidenum">
+              <a:rPr lang="en-US" sz="2000" smtClean="0"/>
+              <a:t>30</a:t>
+            </a:fld>
+            <a:endParaRPr lang="en-US" sz="2000" dirty="0"/>
+          </a:p>
+        </p:txBody>
+      </p:sp>
+      <p:sp>
+        <p:nvSpPr>
+          <p:cNvPr id="8" name="Заголовок 1">
+            <a:extLst>
+              <a:ext uri="{FF2B5EF4-FFF2-40B4-BE49-F238E27FC236}">
+                <a16:creationId xmlns:a16="http://schemas.microsoft.com/office/drawing/2014/main" id="{B9711821-17AC-42CC-A65C-B830C9687F42}"/>
+              </a:ext>
+            </a:extLst>
+          </p:cNvPr>
+          <p:cNvSpPr txBox="1">
+            <a:spLocks/>
+          </p:cNvSpPr>
+          <p:nvPr/>
+        </p:nvSpPr>
+        <p:spPr>
+          <a:xfrm>
+            <a:off x="6172200" y="5429250"/>
+            <a:ext cx="4208282" cy="1485900"/>
+          </a:xfrm>
+          <a:prstGeom prst="rect">
+            <a:avLst/>
+          </a:prstGeom>
+        </p:spPr>
+        <p:txBody>
+          <a:bodyPr vert="horz" lIns="91440" tIns="45720" rIns="91440" bIns="45720" rtlCol="0" anchor="t">
+            <a:normAutofit/>
+          </a:bodyPr>
+          <a:lstStyle>
+            <a:lvl1pPr algn="l" defTabSz="914400" rtl="0" eaLnBrk="1" latinLnBrk="0" hangingPunct="1">
+              <a:lnSpc>
+                <a:spcPct val="89000"/>
+              </a:lnSpc>
+              <a:spcBef>
+                <a:spcPct val="0"/>
+              </a:spcBef>
+              <a:buNone/>
+              <a:defRPr sz="4400" kern="1200" baseline="0">
+                <a:solidFill>
+                  <a:schemeClr val="tx2"/>
+                </a:solidFill>
+                <a:latin typeface="+mj-lt"/>
+                <a:ea typeface="+mj-ea"/>
+                <a:cs typeface="+mj-cs"/>
+              </a:defRPr>
+            </a:lvl1pPr>
+          </a:lstStyle>
+          <a:p>
+            <a:r>
+              <a:rPr lang="ru-RU" dirty="0"/>
+              <a:t>Точка зрения доктора</a:t>
+            </a:r>
+          </a:p>
+        </p:txBody>
+      </p:sp>
     </p:spTree>
     <p:extLst>
       <p:ext uri="{BB962C8B-B14F-4D97-AF65-F5344CB8AC3E}">
@@ -7605,7 +9037,7 @@
         </p:blipFill>
         <p:spPr>
           <a:xfrm>
-            <a:off x="910127" y="400940"/>
+            <a:off x="0" y="0"/>
             <a:ext cx="11068228" cy="3099423"/>
           </a:xfrm>
           <a:prstGeom prst="rect">
@@ -7635,7 +9067,7 @@
         </p:blipFill>
         <p:spPr>
           <a:xfrm>
-            <a:off x="910127" y="3614663"/>
+            <a:off x="0" y="3099423"/>
             <a:ext cx="11068228" cy="2715928"/>
           </a:xfrm>
           <a:prstGeom prst="rect">
@@ -7643,6 +9075,89 @@
           </a:prstGeom>
         </p:spPr>
       </p:pic>
+      <p:sp>
+        <p:nvSpPr>
+          <p:cNvPr id="5" name="Номер слайда 4">
+            <a:extLst>
+              <a:ext uri="{FF2B5EF4-FFF2-40B4-BE49-F238E27FC236}">
+                <a16:creationId xmlns:a16="http://schemas.microsoft.com/office/drawing/2014/main" id="{47E91F6A-27AD-4141-A03D-C00801F7EA74}"/>
+              </a:ext>
+            </a:extLst>
+          </p:cNvPr>
+          <p:cNvSpPr>
+            <a:spLocks noGrp="1"/>
+          </p:cNvSpPr>
+          <p:nvPr>
+            <p:ph type="sldNum" sz="quarter" idx="12"/>
+          </p:nvPr>
+        </p:nvSpPr>
+        <p:spPr/>
+        <p:txBody>
+          <a:bodyPr/>
+          <a:lstStyle/>
+          <a:p>
+            <a:fld id="{69E57DC2-970A-4B3E-BB1C-7A09969E49DF}" type="slidenum">
+              <a:rPr lang="en-US" sz="2000" smtClean="0"/>
+              <a:t>31</a:t>
+            </a:fld>
+            <a:endParaRPr lang="en-US" sz="2000" dirty="0"/>
+          </a:p>
+        </p:txBody>
+      </p:sp>
+      <p:sp>
+        <p:nvSpPr>
+          <p:cNvPr id="8" name="Заголовок 1">
+            <a:extLst>
+              <a:ext uri="{FF2B5EF4-FFF2-40B4-BE49-F238E27FC236}">
+                <a16:creationId xmlns:a16="http://schemas.microsoft.com/office/drawing/2014/main" id="{8E8002A7-161C-443B-98BE-ABF84AF635B4}"/>
+              </a:ext>
+            </a:extLst>
+          </p:cNvPr>
+          <p:cNvSpPr txBox="1">
+            <a:spLocks/>
+          </p:cNvSpPr>
+          <p:nvPr/>
+        </p:nvSpPr>
+        <p:spPr>
+          <a:xfrm>
+            <a:off x="7502456" y="155335"/>
+            <a:ext cx="4208282" cy="1485900"/>
+          </a:xfrm>
+          <a:prstGeom prst="rect">
+            <a:avLst/>
+          </a:prstGeom>
+        </p:spPr>
+        <p:txBody>
+          <a:bodyPr vert="horz" lIns="91440" tIns="45720" rIns="91440" bIns="45720" rtlCol="0" anchor="t">
+            <a:normAutofit/>
+          </a:bodyPr>
+          <a:lstStyle>
+            <a:lvl1pPr algn="l" defTabSz="914400" rtl="0" eaLnBrk="1" latinLnBrk="0" hangingPunct="1">
+              <a:lnSpc>
+                <a:spcPct val="89000"/>
+              </a:lnSpc>
+              <a:spcBef>
+                <a:spcPct val="0"/>
+              </a:spcBef>
+              <a:buNone/>
+              <a:defRPr sz="4400" kern="1200" baseline="0">
+                <a:solidFill>
+                  <a:schemeClr val="tx2"/>
+                </a:solidFill>
+                <a:latin typeface="+mj-lt"/>
+                <a:ea typeface="+mj-ea"/>
+                <a:cs typeface="+mj-cs"/>
+              </a:defRPr>
+            </a:lvl1pPr>
+          </a:lstStyle>
+          <a:p>
+            <a:r>
+              <a:rPr lang="ru-RU" dirty="0"/>
+              <a:t>Точка зрения доктора</a:t>
+            </a:r>
+          </a:p>
+        </p:txBody>
+      </p:sp>
     </p:spTree>
     <p:extLst>
       <p:ext uri="{BB962C8B-B14F-4D97-AF65-F5344CB8AC3E}">
@@ -7745,7 +9260,7 @@
         </p:blipFill>
         <p:spPr>
           <a:xfrm>
-            <a:off x="835269" y="1630373"/>
+            <a:off x="0" y="0"/>
             <a:ext cx="11356731" cy="3845320"/>
           </a:xfrm>
           <a:prstGeom prst="rect">
@@ -7753,6 +9268,89 @@
           </a:prstGeom>
         </p:spPr>
       </p:pic>
+      <p:sp>
+        <p:nvSpPr>
+          <p:cNvPr id="6" name="Номер слайда 5">
+            <a:extLst>
+              <a:ext uri="{FF2B5EF4-FFF2-40B4-BE49-F238E27FC236}">
+                <a16:creationId xmlns:a16="http://schemas.microsoft.com/office/drawing/2014/main" id="{F8FFF3A0-8137-49CC-AFF1-9729D2F4E10E}"/>
+              </a:ext>
+            </a:extLst>
+          </p:cNvPr>
+          <p:cNvSpPr>
+            <a:spLocks noGrp="1"/>
+          </p:cNvSpPr>
+          <p:nvPr>
+            <p:ph type="sldNum" sz="quarter" idx="12"/>
+          </p:nvPr>
+        </p:nvSpPr>
+        <p:spPr/>
+        <p:txBody>
+          <a:bodyPr/>
+          <a:lstStyle/>
+          <a:p>
+            <a:fld id="{69E57DC2-970A-4B3E-BB1C-7A09969E49DF}" type="slidenum">
+              <a:rPr lang="en-US" sz="2000" smtClean="0"/>
+              <a:t>32</a:t>
+            </a:fld>
+            <a:endParaRPr lang="en-US" sz="2000" dirty="0"/>
+          </a:p>
+        </p:txBody>
+      </p:sp>
+      <p:sp>
+        <p:nvSpPr>
+          <p:cNvPr id="7" name="Заголовок 1">
+            <a:extLst>
+              <a:ext uri="{FF2B5EF4-FFF2-40B4-BE49-F238E27FC236}">
+                <a16:creationId xmlns:a16="http://schemas.microsoft.com/office/drawing/2014/main" id="{07F3F6FB-E189-4873-8DFE-890DF4B99793}"/>
+              </a:ext>
+            </a:extLst>
+          </p:cNvPr>
+          <p:cNvSpPr txBox="1">
+            <a:spLocks/>
+          </p:cNvSpPr>
+          <p:nvPr/>
+        </p:nvSpPr>
+        <p:spPr>
+          <a:xfrm>
+            <a:off x="6764518" y="4036816"/>
+            <a:ext cx="4208282" cy="1485900"/>
+          </a:xfrm>
+          <a:prstGeom prst="rect">
+            <a:avLst/>
+          </a:prstGeom>
+        </p:spPr>
+        <p:txBody>
+          <a:bodyPr vert="horz" lIns="91440" tIns="45720" rIns="91440" bIns="45720" rtlCol="0" anchor="t">
+            <a:normAutofit/>
+          </a:bodyPr>
+          <a:lstStyle>
+            <a:lvl1pPr algn="l" defTabSz="914400" rtl="0" eaLnBrk="1" latinLnBrk="0" hangingPunct="1">
+              <a:lnSpc>
+                <a:spcPct val="89000"/>
+              </a:lnSpc>
+              <a:spcBef>
+                <a:spcPct val="0"/>
+              </a:spcBef>
+              <a:buNone/>
+              <a:defRPr sz="4400" kern="1200" baseline="0">
+                <a:solidFill>
+                  <a:schemeClr val="tx2"/>
+                </a:solidFill>
+                <a:latin typeface="+mj-lt"/>
+                <a:ea typeface="+mj-ea"/>
+                <a:cs typeface="+mj-cs"/>
+              </a:defRPr>
+            </a:lvl1pPr>
+          </a:lstStyle>
+          <a:p>
+            <a:r>
+              <a:rPr lang="ru-RU" dirty="0"/>
+              <a:t>Точка зрения доктора</a:t>
+            </a:r>
+          </a:p>
+        </p:txBody>
+      </p:sp>
     </p:spTree>
     <p:extLst>
       <p:ext uri="{BB962C8B-B14F-4D97-AF65-F5344CB8AC3E}">
@@ -7785,31 +9383,6 @@
       </p:grpSpPr>
       <p:sp>
         <p:nvSpPr>
-          <p:cNvPr id="2" name="Заголовок 1">
-            <a:extLst>
-              <a:ext uri="{FF2B5EF4-FFF2-40B4-BE49-F238E27FC236}">
-                <a16:creationId xmlns:a16="http://schemas.microsoft.com/office/drawing/2014/main" id="{A0576E77-C391-480D-A309-7CF08173B976}"/>
-              </a:ext>
-            </a:extLst>
-          </p:cNvPr>
-          <p:cNvSpPr>
-            <a:spLocks noGrp="1"/>
-          </p:cNvSpPr>
-          <p:nvPr>
-            <p:ph type="title"/>
-          </p:nvPr>
-        </p:nvSpPr>
-        <p:spPr/>
-        <p:txBody>
-          <a:bodyPr/>
-          <a:lstStyle/>
-          <a:p>
-            <a:endParaRPr lang="ru-RU"/>
-          </a:p>
-        </p:txBody>
-      </p:sp>
-      <p:sp>
-        <p:nvSpPr>
           <p:cNvPr id="3" name="Объект 2">
             <a:extLst>
               <a:ext uri="{FF2B5EF4-FFF2-40B4-BE49-F238E27FC236}">
@@ -7893,6 +9466,89 @@
           </a:prstGeom>
         </p:spPr>
       </p:pic>
+      <p:sp>
+        <p:nvSpPr>
+          <p:cNvPr id="5" name="Номер слайда 4">
+            <a:extLst>
+              <a:ext uri="{FF2B5EF4-FFF2-40B4-BE49-F238E27FC236}">
+                <a16:creationId xmlns:a16="http://schemas.microsoft.com/office/drawing/2014/main" id="{45E5F038-8841-49E3-AB81-44CB2597816A}"/>
+              </a:ext>
+            </a:extLst>
+          </p:cNvPr>
+          <p:cNvSpPr>
+            <a:spLocks noGrp="1"/>
+          </p:cNvSpPr>
+          <p:nvPr>
+            <p:ph type="sldNum" sz="quarter" idx="12"/>
+          </p:nvPr>
+        </p:nvSpPr>
+        <p:spPr/>
+        <p:txBody>
+          <a:bodyPr/>
+          <a:lstStyle/>
+          <a:p>
+            <a:fld id="{69E57DC2-970A-4B3E-BB1C-7A09969E49DF}" type="slidenum">
+              <a:rPr lang="en-US" sz="2000" smtClean="0"/>
+              <a:t>33</a:t>
+            </a:fld>
+            <a:endParaRPr lang="en-US" sz="2000" dirty="0"/>
+          </a:p>
+        </p:txBody>
+      </p:sp>
+      <p:sp>
+        <p:nvSpPr>
+          <p:cNvPr id="8" name="Заголовок 1">
+            <a:extLst>
+              <a:ext uri="{FF2B5EF4-FFF2-40B4-BE49-F238E27FC236}">
+                <a16:creationId xmlns:a16="http://schemas.microsoft.com/office/drawing/2014/main" id="{C28B8123-D4CC-4EB7-B862-57E757257F6F}"/>
+              </a:ext>
+            </a:extLst>
+          </p:cNvPr>
+          <p:cNvSpPr txBox="1">
+            <a:spLocks/>
+          </p:cNvSpPr>
+          <p:nvPr/>
+        </p:nvSpPr>
+        <p:spPr>
+          <a:xfrm>
+            <a:off x="2096617" y="685800"/>
+            <a:ext cx="4208282" cy="1485900"/>
+          </a:xfrm>
+          <a:prstGeom prst="rect">
+            <a:avLst/>
+          </a:prstGeom>
+        </p:spPr>
+        <p:txBody>
+          <a:bodyPr vert="horz" lIns="91440" tIns="45720" rIns="91440" bIns="45720" rtlCol="0" anchor="t">
+            <a:normAutofit/>
+          </a:bodyPr>
+          <a:lstStyle>
+            <a:lvl1pPr algn="l" defTabSz="914400" rtl="0" eaLnBrk="1" latinLnBrk="0" hangingPunct="1">
+              <a:lnSpc>
+                <a:spcPct val="89000"/>
+              </a:lnSpc>
+              <a:spcBef>
+                <a:spcPct val="0"/>
+              </a:spcBef>
+              <a:buNone/>
+              <a:defRPr sz="4400" kern="1200" baseline="0">
+                <a:solidFill>
+                  <a:schemeClr val="tx2"/>
+                </a:solidFill>
+                <a:latin typeface="+mj-lt"/>
+                <a:ea typeface="+mj-ea"/>
+                <a:cs typeface="+mj-cs"/>
+              </a:defRPr>
+            </a:lvl1pPr>
+          </a:lstStyle>
+          <a:p>
+            <a:r>
+              <a:rPr lang="ru-RU" dirty="0"/>
+              <a:t>Точка зрения пациента</a:t>
+            </a:r>
+          </a:p>
+        </p:txBody>
+      </p:sp>
     </p:spTree>
     <p:extLst>
       <p:ext uri="{BB962C8B-B14F-4D97-AF65-F5344CB8AC3E}">
@@ -7995,7 +9651,7 @@
         </p:blipFill>
         <p:spPr>
           <a:xfrm>
-            <a:off x="2213684" y="180987"/>
+            <a:off x="0" y="-68179"/>
             <a:ext cx="7917031" cy="6496025"/>
           </a:xfrm>
           <a:prstGeom prst="rect">
@@ -8003,6 +9659,89 @@
           </a:prstGeom>
         </p:spPr>
       </p:pic>
+      <p:sp>
+        <p:nvSpPr>
+          <p:cNvPr id="6" name="Номер слайда 5">
+            <a:extLst>
+              <a:ext uri="{FF2B5EF4-FFF2-40B4-BE49-F238E27FC236}">
+                <a16:creationId xmlns:a16="http://schemas.microsoft.com/office/drawing/2014/main" id="{76234985-618E-46DB-BCCE-FA9C1F79C1A5}"/>
+              </a:ext>
+            </a:extLst>
+          </p:cNvPr>
+          <p:cNvSpPr>
+            <a:spLocks noGrp="1"/>
+          </p:cNvSpPr>
+          <p:nvPr>
+            <p:ph type="sldNum" sz="quarter" idx="12"/>
+          </p:nvPr>
+        </p:nvSpPr>
+        <p:spPr/>
+        <p:txBody>
+          <a:bodyPr/>
+          <a:lstStyle/>
+          <a:p>
+            <a:fld id="{69E57DC2-970A-4B3E-BB1C-7A09969E49DF}" type="slidenum">
+              <a:rPr lang="en-US" sz="2000" smtClean="0"/>
+              <a:t>34</a:t>
+            </a:fld>
+            <a:endParaRPr lang="en-US" sz="2000" dirty="0"/>
+          </a:p>
+        </p:txBody>
+      </p:sp>
+      <p:sp>
+        <p:nvSpPr>
+          <p:cNvPr id="7" name="Заголовок 1">
+            <a:extLst>
+              <a:ext uri="{FF2B5EF4-FFF2-40B4-BE49-F238E27FC236}">
+                <a16:creationId xmlns:a16="http://schemas.microsoft.com/office/drawing/2014/main" id="{1A4C5AC0-693A-4B1E-964A-739B8837703A}"/>
+              </a:ext>
+            </a:extLst>
+          </p:cNvPr>
+          <p:cNvSpPr txBox="1">
+            <a:spLocks/>
+          </p:cNvSpPr>
+          <p:nvPr/>
+        </p:nvSpPr>
+        <p:spPr>
+          <a:xfrm>
+            <a:off x="8064181" y="800100"/>
+            <a:ext cx="4208282" cy="1485900"/>
+          </a:xfrm>
+          <a:prstGeom prst="rect">
+            <a:avLst/>
+          </a:prstGeom>
+        </p:spPr>
+        <p:txBody>
+          <a:bodyPr vert="horz" lIns="91440" tIns="45720" rIns="91440" bIns="45720" rtlCol="0" anchor="t">
+            <a:normAutofit fontScale="92500" lnSpcReduction="20000"/>
+          </a:bodyPr>
+          <a:lstStyle>
+            <a:lvl1pPr algn="l" defTabSz="914400" rtl="0" eaLnBrk="1" latinLnBrk="0" hangingPunct="1">
+              <a:lnSpc>
+                <a:spcPct val="89000"/>
+              </a:lnSpc>
+              <a:spcBef>
+                <a:spcPct val="0"/>
+              </a:spcBef>
+              <a:buNone/>
+              <a:defRPr sz="4400" kern="1200" baseline="0">
+                <a:solidFill>
+                  <a:schemeClr val="tx2"/>
+                </a:solidFill>
+                <a:latin typeface="+mj-lt"/>
+                <a:ea typeface="+mj-ea"/>
+                <a:cs typeface="+mj-cs"/>
+              </a:defRPr>
+            </a:lvl1pPr>
+          </a:lstStyle>
+          <a:p>
+            <a:r>
+              <a:rPr lang="ru-RU" dirty="0"/>
+              <a:t>Точка зрения медицинского регистратора</a:t>
+            </a:r>
+          </a:p>
+        </p:txBody>
+      </p:sp>
     </p:spTree>
     <p:extLst>
       <p:ext uri="{BB962C8B-B14F-4D97-AF65-F5344CB8AC3E}">
@@ -8097,16 +9836,15 @@
           </p:cNvPicPr>
           <p:nvPr/>
         </p:nvPicPr>
-        <p:blipFill>
+        <p:blipFill rotWithShape="1">
           <a:blip r:embed="rId2"/>
-          <a:stretch>
-            <a:fillRect/>
-          </a:stretch>
+          <a:srcRect t="42042"/>
+          <a:stretch/>
         </p:blipFill>
         <p:spPr>
           <a:xfrm>
-            <a:off x="0" y="0"/>
-            <a:ext cx="10539046" cy="4928787"/>
+            <a:off x="22806" y="3175"/>
+            <a:ext cx="9601200" cy="2602448"/>
           </a:xfrm>
           <a:prstGeom prst="rect">
             <a:avLst/>
@@ -8135,14 +9873,97 @@
         </p:blipFill>
         <p:spPr>
           <a:xfrm>
-            <a:off x="4272896" y="4107653"/>
-            <a:ext cx="7919103" cy="2750347"/>
+            <a:off x="442857" y="2696469"/>
+            <a:ext cx="11458685" cy="3979663"/>
           </a:xfrm>
           <a:prstGeom prst="rect">
             <a:avLst/>
           </a:prstGeom>
         </p:spPr>
       </p:pic>
+      <p:sp>
+        <p:nvSpPr>
+          <p:cNvPr id="5" name="Номер слайда 4">
+            <a:extLst>
+              <a:ext uri="{FF2B5EF4-FFF2-40B4-BE49-F238E27FC236}">
+                <a16:creationId xmlns:a16="http://schemas.microsoft.com/office/drawing/2014/main" id="{6C359233-06EC-4E2F-8C0A-8DDCFC1B8DD8}"/>
+              </a:ext>
+            </a:extLst>
+          </p:cNvPr>
+          <p:cNvSpPr>
+            <a:spLocks noGrp="1"/>
+          </p:cNvSpPr>
+          <p:nvPr>
+            <p:ph type="sldNum" sz="quarter" idx="12"/>
+          </p:nvPr>
+        </p:nvSpPr>
+        <p:spPr/>
+        <p:txBody>
+          <a:bodyPr/>
+          <a:lstStyle/>
+          <a:p>
+            <a:fld id="{69E57DC2-970A-4B3E-BB1C-7A09969E49DF}" type="slidenum">
+              <a:rPr lang="en-US" sz="2000" smtClean="0"/>
+              <a:t>35</a:t>
+            </a:fld>
+            <a:endParaRPr lang="en-US" sz="2000" dirty="0"/>
+          </a:p>
+        </p:txBody>
+      </p:sp>
+      <p:sp>
+        <p:nvSpPr>
+          <p:cNvPr id="8" name="Заголовок 1">
+            <a:extLst>
+              <a:ext uri="{FF2B5EF4-FFF2-40B4-BE49-F238E27FC236}">
+                <a16:creationId xmlns:a16="http://schemas.microsoft.com/office/drawing/2014/main" id="{5228FAA9-0669-40DF-98A2-B6EB6A453096}"/>
+              </a:ext>
+            </a:extLst>
+          </p:cNvPr>
+          <p:cNvSpPr txBox="1">
+            <a:spLocks/>
+          </p:cNvSpPr>
+          <p:nvPr/>
+        </p:nvSpPr>
+        <p:spPr>
+          <a:xfrm>
+            <a:off x="7983718" y="2972097"/>
+            <a:ext cx="4208282" cy="1485900"/>
+          </a:xfrm>
+          <a:prstGeom prst="rect">
+            <a:avLst/>
+          </a:prstGeom>
+        </p:spPr>
+        <p:txBody>
+          <a:bodyPr vert="horz" lIns="91440" tIns="45720" rIns="91440" bIns="45720" rtlCol="0" anchor="t">
+            <a:normAutofit fontScale="92500" lnSpcReduction="20000"/>
+          </a:bodyPr>
+          <a:lstStyle>
+            <a:lvl1pPr algn="l" defTabSz="914400" rtl="0" eaLnBrk="1" latinLnBrk="0" hangingPunct="1">
+              <a:lnSpc>
+                <a:spcPct val="89000"/>
+              </a:lnSpc>
+              <a:spcBef>
+                <a:spcPct val="0"/>
+              </a:spcBef>
+              <a:buNone/>
+              <a:defRPr sz="4400" kern="1200" baseline="0">
+                <a:solidFill>
+                  <a:schemeClr val="tx2"/>
+                </a:solidFill>
+                <a:latin typeface="+mj-lt"/>
+                <a:ea typeface="+mj-ea"/>
+                <a:cs typeface="+mj-cs"/>
+              </a:defRPr>
+            </a:lvl1pPr>
+          </a:lstStyle>
+          <a:p>
+            <a:r>
+              <a:rPr lang="ru-RU" dirty="0"/>
+              <a:t>Точка зрения медицинского регистратора</a:t>
+            </a:r>
+          </a:p>
+        </p:txBody>
+      </p:sp>
     </p:spTree>
     <p:extLst>
       <p:ext uri="{BB962C8B-B14F-4D97-AF65-F5344CB8AC3E}">
@@ -8245,7 +10066,7 @@
         </p:blipFill>
         <p:spPr>
           <a:xfrm>
-            <a:off x="2999574" y="193105"/>
+            <a:off x="0" y="-71149"/>
             <a:ext cx="6571886" cy="6164141"/>
           </a:xfrm>
           <a:prstGeom prst="rect">
@@ -8253,6 +10074,89 @@
           </a:prstGeom>
         </p:spPr>
       </p:pic>
+      <p:sp>
+        <p:nvSpPr>
+          <p:cNvPr id="5" name="Номер слайда 4">
+            <a:extLst>
+              <a:ext uri="{FF2B5EF4-FFF2-40B4-BE49-F238E27FC236}">
+                <a16:creationId xmlns:a16="http://schemas.microsoft.com/office/drawing/2014/main" id="{78C1BF45-F193-4847-9D14-49E29FF8CC1B}"/>
+              </a:ext>
+            </a:extLst>
+          </p:cNvPr>
+          <p:cNvSpPr>
+            <a:spLocks noGrp="1"/>
+          </p:cNvSpPr>
+          <p:nvPr>
+            <p:ph type="sldNum" sz="quarter" idx="12"/>
+          </p:nvPr>
+        </p:nvSpPr>
+        <p:spPr/>
+        <p:txBody>
+          <a:bodyPr/>
+          <a:lstStyle/>
+          <a:p>
+            <a:fld id="{69E57DC2-970A-4B3E-BB1C-7A09969E49DF}" type="slidenum">
+              <a:rPr lang="en-US" sz="2000" smtClean="0"/>
+              <a:t>36</a:t>
+            </a:fld>
+            <a:endParaRPr lang="en-US" sz="2000" dirty="0"/>
+          </a:p>
+        </p:txBody>
+      </p:sp>
+      <p:sp>
+        <p:nvSpPr>
+          <p:cNvPr id="7" name="Заголовок 1">
+            <a:extLst>
+              <a:ext uri="{FF2B5EF4-FFF2-40B4-BE49-F238E27FC236}">
+                <a16:creationId xmlns:a16="http://schemas.microsoft.com/office/drawing/2014/main" id="{A69BEEFE-9FAA-4992-9C9E-6EF386DF77D7}"/>
+              </a:ext>
+            </a:extLst>
+          </p:cNvPr>
+          <p:cNvSpPr txBox="1">
+            <a:spLocks/>
+          </p:cNvSpPr>
+          <p:nvPr/>
+        </p:nvSpPr>
+        <p:spPr>
+          <a:xfrm>
+            <a:off x="7368595" y="800100"/>
+            <a:ext cx="4208282" cy="1485900"/>
+          </a:xfrm>
+          <a:prstGeom prst="rect">
+            <a:avLst/>
+          </a:prstGeom>
+        </p:spPr>
+        <p:txBody>
+          <a:bodyPr vert="horz" lIns="91440" tIns="45720" rIns="91440" bIns="45720" rtlCol="0" anchor="t">
+            <a:normAutofit fontScale="92500" lnSpcReduction="20000"/>
+          </a:bodyPr>
+          <a:lstStyle>
+            <a:lvl1pPr algn="l" defTabSz="914400" rtl="0" eaLnBrk="1" latinLnBrk="0" hangingPunct="1">
+              <a:lnSpc>
+                <a:spcPct val="89000"/>
+              </a:lnSpc>
+              <a:spcBef>
+                <a:spcPct val="0"/>
+              </a:spcBef>
+              <a:buNone/>
+              <a:defRPr sz="4400" kern="1200" baseline="0">
+                <a:solidFill>
+                  <a:schemeClr val="tx2"/>
+                </a:solidFill>
+                <a:latin typeface="+mj-lt"/>
+                <a:ea typeface="+mj-ea"/>
+                <a:cs typeface="+mj-cs"/>
+              </a:defRPr>
+            </a:lvl1pPr>
+          </a:lstStyle>
+          <a:p>
+            <a:r>
+              <a:rPr lang="ru-RU" dirty="0"/>
+              <a:t>Точка зрения медицинского регистратора</a:t>
+            </a:r>
+          </a:p>
+        </p:txBody>
+      </p:sp>
     </p:spTree>
     <p:extLst>
       <p:ext uri="{BB962C8B-B14F-4D97-AF65-F5344CB8AC3E}">
@@ -8355,7 +10259,7 @@
         </p:blipFill>
         <p:spPr>
           <a:xfrm>
-            <a:off x="2061028" y="827314"/>
+            <a:off x="0" y="0"/>
             <a:ext cx="8639423" cy="4804228"/>
           </a:xfrm>
           <a:prstGeom prst="rect">
@@ -8363,6 +10267,89 @@
           </a:prstGeom>
         </p:spPr>
       </p:pic>
+      <p:sp>
+        <p:nvSpPr>
+          <p:cNvPr id="6" name="Номер слайда 5">
+            <a:extLst>
+              <a:ext uri="{FF2B5EF4-FFF2-40B4-BE49-F238E27FC236}">
+                <a16:creationId xmlns:a16="http://schemas.microsoft.com/office/drawing/2014/main" id="{5BE10213-C7DD-4AB6-9D7E-A485F1BC311D}"/>
+              </a:ext>
+            </a:extLst>
+          </p:cNvPr>
+          <p:cNvSpPr>
+            <a:spLocks noGrp="1"/>
+          </p:cNvSpPr>
+          <p:nvPr>
+            <p:ph type="sldNum" sz="quarter" idx="12"/>
+          </p:nvPr>
+        </p:nvSpPr>
+        <p:spPr/>
+        <p:txBody>
+          <a:bodyPr/>
+          <a:lstStyle/>
+          <a:p>
+            <a:fld id="{69E57DC2-970A-4B3E-BB1C-7A09969E49DF}" type="slidenum">
+              <a:rPr lang="en-US" sz="2000" smtClean="0"/>
+              <a:t>37</a:t>
+            </a:fld>
+            <a:endParaRPr lang="en-US" sz="2000" dirty="0"/>
+          </a:p>
+        </p:txBody>
+      </p:sp>
+      <p:sp>
+        <p:nvSpPr>
+          <p:cNvPr id="7" name="Заголовок 1">
+            <a:extLst>
+              <a:ext uri="{FF2B5EF4-FFF2-40B4-BE49-F238E27FC236}">
+                <a16:creationId xmlns:a16="http://schemas.microsoft.com/office/drawing/2014/main" id="{8A2CE295-142E-45E6-AE43-53AD3FF10D45}"/>
+              </a:ext>
+            </a:extLst>
+          </p:cNvPr>
+          <p:cNvSpPr txBox="1">
+            <a:spLocks/>
+          </p:cNvSpPr>
+          <p:nvPr/>
+        </p:nvSpPr>
+        <p:spPr>
+          <a:xfrm>
+            <a:off x="5802741" y="2686050"/>
+            <a:ext cx="4208282" cy="1485900"/>
+          </a:xfrm>
+          <a:prstGeom prst="rect">
+            <a:avLst/>
+          </a:prstGeom>
+        </p:spPr>
+        <p:txBody>
+          <a:bodyPr vert="horz" lIns="91440" tIns="45720" rIns="91440" bIns="45720" rtlCol="0" anchor="t">
+            <a:normAutofit/>
+          </a:bodyPr>
+          <a:lstStyle>
+            <a:lvl1pPr algn="l" defTabSz="914400" rtl="0" eaLnBrk="1" latinLnBrk="0" hangingPunct="1">
+              <a:lnSpc>
+                <a:spcPct val="89000"/>
+              </a:lnSpc>
+              <a:spcBef>
+                <a:spcPct val="0"/>
+              </a:spcBef>
+              <a:buNone/>
+              <a:defRPr sz="4400" kern="1200" baseline="0">
+                <a:solidFill>
+                  <a:schemeClr val="tx2"/>
+                </a:solidFill>
+                <a:latin typeface="+mj-lt"/>
+                <a:ea typeface="+mj-ea"/>
+                <a:cs typeface="+mj-cs"/>
+              </a:defRPr>
+            </a:lvl1pPr>
+          </a:lstStyle>
+          <a:p>
+            <a:r>
+              <a:rPr lang="ru-RU" dirty="0"/>
+              <a:t>Точка зрения пациента</a:t>
+            </a:r>
+          </a:p>
+        </p:txBody>
+      </p:sp>
     </p:spTree>
     <p:extLst>
       <p:ext uri="{BB962C8B-B14F-4D97-AF65-F5344CB8AC3E}">
@@ -8466,13 +10453,42 @@
         <p:spPr>
           <a:xfrm>
             <a:off x="778809" y="0"/>
-            <a:ext cx="10634382" cy="6858000"/>
+            <a:ext cx="10124322" cy="6529068"/>
           </a:xfrm>
           <a:prstGeom prst="rect">
             <a:avLst/>
           </a:prstGeom>
         </p:spPr>
       </p:pic>
+      <p:sp>
+        <p:nvSpPr>
+          <p:cNvPr id="6" name="Номер слайда 5">
+            <a:extLst>
+              <a:ext uri="{FF2B5EF4-FFF2-40B4-BE49-F238E27FC236}">
+                <a16:creationId xmlns:a16="http://schemas.microsoft.com/office/drawing/2014/main" id="{9C2AF906-F1B8-4386-A8C6-E8BB6F0EC586}"/>
+              </a:ext>
+            </a:extLst>
+          </p:cNvPr>
+          <p:cNvSpPr>
+            <a:spLocks noGrp="1"/>
+          </p:cNvSpPr>
+          <p:nvPr>
+            <p:ph type="sldNum" sz="quarter" idx="12"/>
+          </p:nvPr>
+        </p:nvSpPr>
+        <p:spPr/>
+        <p:txBody>
+          <a:bodyPr/>
+          <a:lstStyle/>
+          <a:p>
+            <a:fld id="{69E57DC2-970A-4B3E-BB1C-7A09969E49DF}" type="slidenum">
+              <a:rPr lang="en-US" sz="2000" smtClean="0"/>
+              <a:t>38</a:t>
+            </a:fld>
+            <a:endParaRPr lang="en-US" sz="2000" dirty="0"/>
+          </a:p>
+        </p:txBody>
+      </p:sp>
     </p:spTree>
     <p:extLst>
       <p:ext uri="{BB962C8B-B14F-4D97-AF65-F5344CB8AC3E}">
@@ -8583,6 +10599,89 @@
           </a:prstGeom>
         </p:spPr>
       </p:pic>
+      <p:sp>
+        <p:nvSpPr>
+          <p:cNvPr id="6" name="Номер слайда 5">
+            <a:extLst>
+              <a:ext uri="{FF2B5EF4-FFF2-40B4-BE49-F238E27FC236}">
+                <a16:creationId xmlns:a16="http://schemas.microsoft.com/office/drawing/2014/main" id="{3EA6FEFE-EA57-4159-8E4B-2504CF98579B}"/>
+              </a:ext>
+            </a:extLst>
+          </p:cNvPr>
+          <p:cNvSpPr>
+            <a:spLocks noGrp="1"/>
+          </p:cNvSpPr>
+          <p:nvPr>
+            <p:ph type="sldNum" sz="quarter" idx="12"/>
+          </p:nvPr>
+        </p:nvSpPr>
+        <p:spPr/>
+        <p:txBody>
+          <a:bodyPr/>
+          <a:lstStyle/>
+          <a:p>
+            <a:fld id="{69E57DC2-970A-4B3E-BB1C-7A09969E49DF}" type="slidenum">
+              <a:rPr lang="en-US" sz="2000" smtClean="0"/>
+              <a:t>39</a:t>
+            </a:fld>
+            <a:endParaRPr lang="en-US" sz="2000" dirty="0"/>
+          </a:p>
+        </p:txBody>
+      </p:sp>
+      <p:sp>
+        <p:nvSpPr>
+          <p:cNvPr id="7" name="Заголовок 1">
+            <a:extLst>
+              <a:ext uri="{FF2B5EF4-FFF2-40B4-BE49-F238E27FC236}">
+                <a16:creationId xmlns:a16="http://schemas.microsoft.com/office/drawing/2014/main" id="{BCD11CC9-03B0-4065-907C-812C711F5573}"/>
+              </a:ext>
+            </a:extLst>
+          </p:cNvPr>
+          <p:cNvSpPr txBox="1">
+            <a:spLocks/>
+          </p:cNvSpPr>
+          <p:nvPr/>
+        </p:nvSpPr>
+        <p:spPr>
+          <a:xfrm>
+            <a:off x="5818784" y="1543050"/>
+            <a:ext cx="4208282" cy="1485900"/>
+          </a:xfrm>
+          <a:prstGeom prst="rect">
+            <a:avLst/>
+          </a:prstGeom>
+        </p:spPr>
+        <p:txBody>
+          <a:bodyPr vert="horz" lIns="91440" tIns="45720" rIns="91440" bIns="45720" rtlCol="0" anchor="t">
+            <a:normAutofit/>
+          </a:bodyPr>
+          <a:lstStyle>
+            <a:lvl1pPr algn="l" defTabSz="914400" rtl="0" eaLnBrk="1" latinLnBrk="0" hangingPunct="1">
+              <a:lnSpc>
+                <a:spcPct val="89000"/>
+              </a:lnSpc>
+              <a:spcBef>
+                <a:spcPct val="0"/>
+              </a:spcBef>
+              <a:buNone/>
+              <a:defRPr sz="4400" kern="1200" baseline="0">
+                <a:solidFill>
+                  <a:schemeClr val="tx2"/>
+                </a:solidFill>
+                <a:latin typeface="+mj-lt"/>
+                <a:ea typeface="+mj-ea"/>
+                <a:cs typeface="+mj-cs"/>
+              </a:defRPr>
+            </a:lvl1pPr>
+          </a:lstStyle>
+          <a:p>
+            <a:r>
+              <a:rPr lang="ru-RU" dirty="0"/>
+              <a:t>Точка зрения пациента</a:t>
+            </a:r>
+          </a:p>
+        </p:txBody>
+      </p:sp>
     </p:spTree>
     <p:extLst>
       <p:ext uri="{BB962C8B-B14F-4D97-AF65-F5344CB8AC3E}">
@@ -8679,6 +10778,35 @@
           </a:xfrm>
         </p:spPr>
       </p:pic>
+      <p:sp>
+        <p:nvSpPr>
+          <p:cNvPr id="4" name="Номер слайда 3">
+            <a:extLst>
+              <a:ext uri="{FF2B5EF4-FFF2-40B4-BE49-F238E27FC236}">
+                <a16:creationId xmlns:a16="http://schemas.microsoft.com/office/drawing/2014/main" id="{87BA02C3-E772-4116-95A0-E95355CCB521}"/>
+              </a:ext>
+            </a:extLst>
+          </p:cNvPr>
+          <p:cNvSpPr>
+            <a:spLocks noGrp="1"/>
+          </p:cNvSpPr>
+          <p:nvPr>
+            <p:ph type="sldNum" sz="quarter" idx="12"/>
+          </p:nvPr>
+        </p:nvSpPr>
+        <p:spPr/>
+        <p:txBody>
+          <a:bodyPr/>
+          <a:lstStyle/>
+          <a:p>
+            <a:fld id="{69E57DC2-970A-4B3E-BB1C-7A09969E49DF}" type="slidenum">
+              <a:rPr lang="en-US" sz="2000" smtClean="0"/>
+              <a:t>4</a:t>
+            </a:fld>
+            <a:endParaRPr lang="en-US" sz="2000" dirty="0"/>
+          </a:p>
+        </p:txBody>
+      </p:sp>
     </p:spTree>
     <p:extLst>
       <p:ext uri="{BB962C8B-B14F-4D97-AF65-F5344CB8AC3E}">
@@ -8849,6 +10977,89 @@
           </a:prstGeom>
         </p:spPr>
       </p:pic>
+      <p:sp>
+        <p:nvSpPr>
+          <p:cNvPr id="5" name="Номер слайда 4">
+            <a:extLst>
+              <a:ext uri="{FF2B5EF4-FFF2-40B4-BE49-F238E27FC236}">
+                <a16:creationId xmlns:a16="http://schemas.microsoft.com/office/drawing/2014/main" id="{992C2E89-F9F6-4302-90B1-1812DF942F19}"/>
+              </a:ext>
+            </a:extLst>
+          </p:cNvPr>
+          <p:cNvSpPr>
+            <a:spLocks noGrp="1"/>
+          </p:cNvSpPr>
+          <p:nvPr>
+            <p:ph type="sldNum" sz="quarter" idx="12"/>
+          </p:nvPr>
+        </p:nvSpPr>
+        <p:spPr/>
+        <p:txBody>
+          <a:bodyPr/>
+          <a:lstStyle/>
+          <a:p>
+            <a:fld id="{69E57DC2-970A-4B3E-BB1C-7A09969E49DF}" type="slidenum">
+              <a:rPr lang="en-US" sz="2000" smtClean="0"/>
+              <a:t>40</a:t>
+            </a:fld>
+            <a:endParaRPr lang="en-US" sz="2000" dirty="0"/>
+          </a:p>
+        </p:txBody>
+      </p:sp>
+      <p:sp>
+        <p:nvSpPr>
+          <p:cNvPr id="9" name="Заголовок 1">
+            <a:extLst>
+              <a:ext uri="{FF2B5EF4-FFF2-40B4-BE49-F238E27FC236}">
+                <a16:creationId xmlns:a16="http://schemas.microsoft.com/office/drawing/2014/main" id="{05848732-4927-41B4-A504-26B809881310}"/>
+              </a:ext>
+            </a:extLst>
+          </p:cNvPr>
+          <p:cNvSpPr txBox="1">
+            <a:spLocks/>
+          </p:cNvSpPr>
+          <p:nvPr/>
+        </p:nvSpPr>
+        <p:spPr>
+          <a:xfrm>
+            <a:off x="9061164" y="16042"/>
+            <a:ext cx="3283236" cy="1485900"/>
+          </a:xfrm>
+          <a:prstGeom prst="rect">
+            <a:avLst/>
+          </a:prstGeom>
+        </p:spPr>
+        <p:txBody>
+          <a:bodyPr vert="horz" lIns="91440" tIns="45720" rIns="91440" bIns="45720" rtlCol="0" anchor="t">
+            <a:normAutofit fontScale="92500"/>
+          </a:bodyPr>
+          <a:lstStyle>
+            <a:lvl1pPr algn="l" defTabSz="914400" rtl="0" eaLnBrk="1" latinLnBrk="0" hangingPunct="1">
+              <a:lnSpc>
+                <a:spcPct val="89000"/>
+              </a:lnSpc>
+              <a:spcBef>
+                <a:spcPct val="0"/>
+              </a:spcBef>
+              <a:buNone/>
+              <a:defRPr sz="4400" kern="1200" baseline="0">
+                <a:solidFill>
+                  <a:schemeClr val="tx2"/>
+                </a:solidFill>
+                <a:latin typeface="+mj-lt"/>
+                <a:ea typeface="+mj-ea"/>
+                <a:cs typeface="+mj-cs"/>
+              </a:defRPr>
+            </a:lvl1pPr>
+          </a:lstStyle>
+          <a:p>
+            <a:r>
+              <a:rPr lang="ru-RU" dirty="0"/>
+              <a:t>Точка зрения врача</a:t>
+            </a:r>
+          </a:p>
+        </p:txBody>
+      </p:sp>
     </p:spTree>
     <p:extLst>
       <p:ext uri="{BB962C8B-B14F-4D97-AF65-F5344CB8AC3E}">
@@ -8951,7 +11162,7 @@
         </p:blipFill>
         <p:spPr>
           <a:xfrm>
-            <a:off x="658024" y="127985"/>
+            <a:off x="-86486" y="128988"/>
             <a:ext cx="11422879" cy="2158015"/>
           </a:xfrm>
           <a:prstGeom prst="rect">
@@ -8981,7 +11192,7 @@
         </p:blipFill>
         <p:spPr>
           <a:xfrm>
-            <a:off x="1682790" y="2286000"/>
+            <a:off x="-86486" y="2286000"/>
             <a:ext cx="9202434" cy="4210638"/>
           </a:xfrm>
           <a:prstGeom prst="rect">
@@ -8989,6 +11200,89 @@
           </a:prstGeom>
         </p:spPr>
       </p:pic>
+      <p:sp>
+        <p:nvSpPr>
+          <p:cNvPr id="5" name="Номер слайда 4">
+            <a:extLst>
+              <a:ext uri="{FF2B5EF4-FFF2-40B4-BE49-F238E27FC236}">
+                <a16:creationId xmlns:a16="http://schemas.microsoft.com/office/drawing/2014/main" id="{53E40A58-8E79-4725-9118-5B01E74C481A}"/>
+              </a:ext>
+            </a:extLst>
+          </p:cNvPr>
+          <p:cNvSpPr>
+            <a:spLocks noGrp="1"/>
+          </p:cNvSpPr>
+          <p:nvPr>
+            <p:ph type="sldNum" sz="quarter" idx="12"/>
+          </p:nvPr>
+        </p:nvSpPr>
+        <p:spPr/>
+        <p:txBody>
+          <a:bodyPr/>
+          <a:lstStyle/>
+          <a:p>
+            <a:fld id="{69E57DC2-970A-4B3E-BB1C-7A09969E49DF}" type="slidenum">
+              <a:rPr lang="en-US" sz="2000" smtClean="0"/>
+              <a:t>41</a:t>
+            </a:fld>
+            <a:endParaRPr lang="en-US" sz="2000" dirty="0"/>
+          </a:p>
+        </p:txBody>
+      </p:sp>
+      <p:sp>
+        <p:nvSpPr>
+          <p:cNvPr id="9" name="Заголовок 1">
+            <a:extLst>
+              <a:ext uri="{FF2B5EF4-FFF2-40B4-BE49-F238E27FC236}">
+                <a16:creationId xmlns:a16="http://schemas.microsoft.com/office/drawing/2014/main" id="{8D6F7ADA-FAF7-4261-B85B-29395DC34F56}"/>
+              </a:ext>
+            </a:extLst>
+          </p:cNvPr>
+          <p:cNvSpPr txBox="1">
+            <a:spLocks/>
+          </p:cNvSpPr>
+          <p:nvPr/>
+        </p:nvSpPr>
+        <p:spPr>
+          <a:xfrm>
+            <a:off x="6062600" y="2590800"/>
+            <a:ext cx="4208282" cy="1485900"/>
+          </a:xfrm>
+          <a:prstGeom prst="rect">
+            <a:avLst/>
+          </a:prstGeom>
+        </p:spPr>
+        <p:txBody>
+          <a:bodyPr vert="horz" lIns="91440" tIns="45720" rIns="91440" bIns="45720" rtlCol="0" anchor="t">
+            <a:normAutofit/>
+          </a:bodyPr>
+          <a:lstStyle>
+            <a:lvl1pPr algn="l" defTabSz="914400" rtl="0" eaLnBrk="1" latinLnBrk="0" hangingPunct="1">
+              <a:lnSpc>
+                <a:spcPct val="89000"/>
+              </a:lnSpc>
+              <a:spcBef>
+                <a:spcPct val="0"/>
+              </a:spcBef>
+              <a:buNone/>
+              <a:defRPr sz="4400" kern="1200" baseline="0">
+                <a:solidFill>
+                  <a:schemeClr val="tx2"/>
+                </a:solidFill>
+                <a:latin typeface="+mj-lt"/>
+                <a:ea typeface="+mj-ea"/>
+                <a:cs typeface="+mj-cs"/>
+              </a:defRPr>
+            </a:lvl1pPr>
+          </a:lstStyle>
+          <a:p>
+            <a:r>
+              <a:rPr lang="ru-RU" dirty="0"/>
+              <a:t>Точка зрения пациента</a:t>
+            </a:r>
+          </a:p>
+        </p:txBody>
+      </p:sp>
     </p:spTree>
     <p:extLst>
       <p:ext uri="{BB962C8B-B14F-4D97-AF65-F5344CB8AC3E}">
@@ -9091,7 +11385,7 @@
         </p:blipFill>
         <p:spPr>
           <a:xfrm>
-            <a:off x="4188008" y="76200"/>
+            <a:off x="1122972" y="0"/>
             <a:ext cx="5361148" cy="6781800"/>
           </a:xfrm>
           <a:prstGeom prst="rect">
@@ -9099,6 +11393,89 @@
           </a:prstGeom>
         </p:spPr>
       </p:pic>
+      <p:sp>
+        <p:nvSpPr>
+          <p:cNvPr id="6" name="Номер слайда 5">
+            <a:extLst>
+              <a:ext uri="{FF2B5EF4-FFF2-40B4-BE49-F238E27FC236}">
+                <a16:creationId xmlns:a16="http://schemas.microsoft.com/office/drawing/2014/main" id="{89CDBF76-12DB-48FA-BBC8-1701017DCA68}"/>
+              </a:ext>
+            </a:extLst>
+          </p:cNvPr>
+          <p:cNvSpPr>
+            <a:spLocks noGrp="1"/>
+          </p:cNvSpPr>
+          <p:nvPr>
+            <p:ph type="sldNum" sz="quarter" idx="12"/>
+          </p:nvPr>
+        </p:nvSpPr>
+        <p:spPr/>
+        <p:txBody>
+          <a:bodyPr/>
+          <a:lstStyle/>
+          <a:p>
+            <a:fld id="{69E57DC2-970A-4B3E-BB1C-7A09969E49DF}" type="slidenum">
+              <a:rPr lang="en-US" sz="2000" smtClean="0"/>
+              <a:t>42</a:t>
+            </a:fld>
+            <a:endParaRPr lang="en-US" sz="2000" dirty="0"/>
+          </a:p>
+        </p:txBody>
+      </p:sp>
+      <p:sp>
+        <p:nvSpPr>
+          <p:cNvPr id="7" name="Заголовок 1">
+            <a:extLst>
+              <a:ext uri="{FF2B5EF4-FFF2-40B4-BE49-F238E27FC236}">
+                <a16:creationId xmlns:a16="http://schemas.microsoft.com/office/drawing/2014/main" id="{EAF77056-21D8-4809-AF60-B0F1CC2591E3}"/>
+              </a:ext>
+            </a:extLst>
+          </p:cNvPr>
+          <p:cNvSpPr txBox="1">
+            <a:spLocks/>
+          </p:cNvSpPr>
+          <p:nvPr/>
+        </p:nvSpPr>
+        <p:spPr>
+          <a:xfrm>
+            <a:off x="6484120" y="507107"/>
+            <a:ext cx="3283236" cy="1485900"/>
+          </a:xfrm>
+          <a:prstGeom prst="rect">
+            <a:avLst/>
+          </a:prstGeom>
+        </p:spPr>
+        <p:txBody>
+          <a:bodyPr vert="horz" lIns="91440" tIns="45720" rIns="91440" bIns="45720" rtlCol="0" anchor="t">
+            <a:normAutofit fontScale="92500"/>
+          </a:bodyPr>
+          <a:lstStyle>
+            <a:lvl1pPr algn="l" defTabSz="914400" rtl="0" eaLnBrk="1" latinLnBrk="0" hangingPunct="1">
+              <a:lnSpc>
+                <a:spcPct val="89000"/>
+              </a:lnSpc>
+              <a:spcBef>
+                <a:spcPct val="0"/>
+              </a:spcBef>
+              <a:buNone/>
+              <a:defRPr sz="4400" kern="1200" baseline="0">
+                <a:solidFill>
+                  <a:schemeClr val="tx2"/>
+                </a:solidFill>
+                <a:latin typeface="+mj-lt"/>
+                <a:ea typeface="+mj-ea"/>
+                <a:cs typeface="+mj-cs"/>
+              </a:defRPr>
+            </a:lvl1pPr>
+          </a:lstStyle>
+          <a:p>
+            <a:r>
+              <a:rPr lang="ru-RU" dirty="0"/>
+              <a:t>Точка зрения врача</a:t>
+            </a:r>
+          </a:p>
+        </p:txBody>
+      </p:sp>
     </p:spTree>
     <p:extLst>
       <p:ext uri="{BB962C8B-B14F-4D97-AF65-F5344CB8AC3E}">
@@ -9175,7 +11552,7 @@
           <a:bodyPr/>
           <a:lstStyle/>
           <a:p>
-            <a:endParaRPr lang="ru-RU"/>
+            <a:endParaRPr lang="ru-RU" dirty="0"/>
           </a:p>
         </p:txBody>
       </p:sp>
@@ -9239,6 +11616,89 @@
           </a:prstGeom>
         </p:spPr>
       </p:pic>
+      <p:sp>
+        <p:nvSpPr>
+          <p:cNvPr id="6" name="Номер слайда 5">
+            <a:extLst>
+              <a:ext uri="{FF2B5EF4-FFF2-40B4-BE49-F238E27FC236}">
+                <a16:creationId xmlns:a16="http://schemas.microsoft.com/office/drawing/2014/main" id="{CEBD466A-4C4E-43CF-95B2-7E547B9F6212}"/>
+              </a:ext>
+            </a:extLst>
+          </p:cNvPr>
+          <p:cNvSpPr>
+            <a:spLocks noGrp="1"/>
+          </p:cNvSpPr>
+          <p:nvPr>
+            <p:ph type="sldNum" sz="quarter" idx="12"/>
+          </p:nvPr>
+        </p:nvSpPr>
+        <p:spPr/>
+        <p:txBody>
+          <a:bodyPr/>
+          <a:lstStyle/>
+          <a:p>
+            <a:fld id="{69E57DC2-970A-4B3E-BB1C-7A09969E49DF}" type="slidenum">
+              <a:rPr lang="en-US" sz="2000" smtClean="0"/>
+              <a:t>43</a:t>
+            </a:fld>
+            <a:endParaRPr lang="en-US" sz="2000" dirty="0"/>
+          </a:p>
+        </p:txBody>
+      </p:sp>
+      <p:sp>
+        <p:nvSpPr>
+          <p:cNvPr id="8" name="Заголовок 1">
+            <a:extLst>
+              <a:ext uri="{FF2B5EF4-FFF2-40B4-BE49-F238E27FC236}">
+                <a16:creationId xmlns:a16="http://schemas.microsoft.com/office/drawing/2014/main" id="{4971F913-964F-48A2-BBD9-BA096B6FE409}"/>
+              </a:ext>
+            </a:extLst>
+          </p:cNvPr>
+          <p:cNvSpPr txBox="1">
+            <a:spLocks/>
+          </p:cNvSpPr>
+          <p:nvPr/>
+        </p:nvSpPr>
+        <p:spPr>
+          <a:xfrm>
+            <a:off x="8629264" y="2438400"/>
+            <a:ext cx="3283236" cy="1485900"/>
+          </a:xfrm>
+          <a:prstGeom prst="rect">
+            <a:avLst/>
+          </a:prstGeom>
+        </p:spPr>
+        <p:txBody>
+          <a:bodyPr vert="horz" lIns="91440" tIns="45720" rIns="91440" bIns="45720" rtlCol="0" anchor="t">
+            <a:normAutofit fontScale="92500"/>
+          </a:bodyPr>
+          <a:lstStyle>
+            <a:lvl1pPr algn="l" defTabSz="914400" rtl="0" eaLnBrk="1" latinLnBrk="0" hangingPunct="1">
+              <a:lnSpc>
+                <a:spcPct val="89000"/>
+              </a:lnSpc>
+              <a:spcBef>
+                <a:spcPct val="0"/>
+              </a:spcBef>
+              <a:buNone/>
+              <a:defRPr sz="4400" kern="1200" baseline="0">
+                <a:solidFill>
+                  <a:schemeClr val="tx2"/>
+                </a:solidFill>
+                <a:latin typeface="+mj-lt"/>
+                <a:ea typeface="+mj-ea"/>
+                <a:cs typeface="+mj-cs"/>
+              </a:defRPr>
+            </a:lvl1pPr>
+          </a:lstStyle>
+          <a:p>
+            <a:r>
+              <a:rPr lang="ru-RU" dirty="0"/>
+              <a:t>Точка зрения лаборанта</a:t>
+            </a:r>
+          </a:p>
+        </p:txBody>
+      </p:sp>
     </p:spTree>
     <p:extLst>
       <p:ext uri="{BB962C8B-B14F-4D97-AF65-F5344CB8AC3E}">
@@ -9349,10 +11809,312 @@
           </a:prstGeom>
         </p:spPr>
       </p:pic>
+      <p:sp>
+        <p:nvSpPr>
+          <p:cNvPr id="6" name="Номер слайда 5">
+            <a:extLst>
+              <a:ext uri="{FF2B5EF4-FFF2-40B4-BE49-F238E27FC236}">
+                <a16:creationId xmlns:a16="http://schemas.microsoft.com/office/drawing/2014/main" id="{80B0BD10-A18C-426E-8CDF-80F3E075712A}"/>
+              </a:ext>
+            </a:extLst>
+          </p:cNvPr>
+          <p:cNvSpPr>
+            <a:spLocks noGrp="1"/>
+          </p:cNvSpPr>
+          <p:nvPr>
+            <p:ph type="sldNum" sz="quarter" idx="12"/>
+          </p:nvPr>
+        </p:nvSpPr>
+        <p:spPr/>
+        <p:txBody>
+          <a:bodyPr/>
+          <a:lstStyle/>
+          <a:p>
+            <a:fld id="{69E57DC2-970A-4B3E-BB1C-7A09969E49DF}" type="slidenum">
+              <a:rPr lang="en-US" sz="2000" smtClean="0"/>
+              <a:t>44</a:t>
+            </a:fld>
+            <a:endParaRPr lang="en-US" sz="2000" dirty="0"/>
+          </a:p>
+        </p:txBody>
+      </p:sp>
+      <p:sp>
+        <p:nvSpPr>
+          <p:cNvPr id="7" name="Заголовок 1">
+            <a:extLst>
+              <a:ext uri="{FF2B5EF4-FFF2-40B4-BE49-F238E27FC236}">
+                <a16:creationId xmlns:a16="http://schemas.microsoft.com/office/drawing/2014/main" id="{3C1BCC32-9908-4FEA-B6AE-C8DC33D0AAA4}"/>
+              </a:ext>
+            </a:extLst>
+          </p:cNvPr>
+          <p:cNvSpPr txBox="1">
+            <a:spLocks/>
+          </p:cNvSpPr>
+          <p:nvPr/>
+        </p:nvSpPr>
+        <p:spPr>
+          <a:xfrm>
+            <a:off x="6303159" y="918620"/>
+            <a:ext cx="3283236" cy="1485900"/>
+          </a:xfrm>
+          <a:prstGeom prst="rect">
+            <a:avLst/>
+          </a:prstGeom>
+        </p:spPr>
+        <p:txBody>
+          <a:bodyPr vert="horz" lIns="91440" tIns="45720" rIns="91440" bIns="45720" rtlCol="0" anchor="t">
+            <a:normAutofit fontScale="92500"/>
+          </a:bodyPr>
+          <a:lstStyle>
+            <a:lvl1pPr algn="l" defTabSz="914400" rtl="0" eaLnBrk="1" latinLnBrk="0" hangingPunct="1">
+              <a:lnSpc>
+                <a:spcPct val="89000"/>
+              </a:lnSpc>
+              <a:spcBef>
+                <a:spcPct val="0"/>
+              </a:spcBef>
+              <a:buNone/>
+              <a:defRPr sz="4400" kern="1200" baseline="0">
+                <a:solidFill>
+                  <a:schemeClr val="tx2"/>
+                </a:solidFill>
+                <a:latin typeface="+mj-lt"/>
+                <a:ea typeface="+mj-ea"/>
+                <a:cs typeface="+mj-cs"/>
+              </a:defRPr>
+            </a:lvl1pPr>
+          </a:lstStyle>
+          <a:p>
+            <a:r>
+              <a:rPr lang="ru-RU" dirty="0"/>
+              <a:t>Точка зрения пациента</a:t>
+            </a:r>
+          </a:p>
+        </p:txBody>
+      </p:sp>
     </p:spTree>
     <p:extLst>
       <p:ext uri="{BB962C8B-B14F-4D97-AF65-F5344CB8AC3E}">
         <p14:creationId xmlns:p14="http://schemas.microsoft.com/office/powerpoint/2010/main" val="317588828"/>
+      </p:ext>
+    </p:extLst>
+  </p:cSld>
+  <p:clrMapOvr>
+    <a:masterClrMapping/>
+  </p:clrMapOvr>
+</p:sld>
+</file>
+
+<file path=ppt/slides/slide45.xml><?xml version="1.0" encoding="utf-8"?>
+<p:sld xmlns:a="http://schemas.openxmlformats.org/drawingml/2006/main" xmlns:r="http://schemas.openxmlformats.org/officeDocument/2006/relationships" xmlns:p="http://schemas.openxmlformats.org/presentationml/2006/main">
+  <p:cSld>
+    <p:spTree>
+      <p:nvGrpSpPr>
+        <p:cNvPr id="1" name=""/>
+        <p:cNvGrpSpPr/>
+        <p:nvPr/>
+      </p:nvGrpSpPr>
+      <p:grpSpPr>
+        <a:xfrm>
+          <a:off x="0" y="0"/>
+          <a:ext cx="0" cy="0"/>
+          <a:chOff x="0" y="0"/>
+          <a:chExt cx="0" cy="0"/>
+        </a:xfrm>
+      </p:grpSpPr>
+      <p:sp>
+        <p:nvSpPr>
+          <p:cNvPr id="2" name="Заголовок 1">
+            <a:extLst>
+              <a:ext uri="{FF2B5EF4-FFF2-40B4-BE49-F238E27FC236}">
+                <a16:creationId xmlns:a16="http://schemas.microsoft.com/office/drawing/2014/main" id="{2B66FA27-7854-46B9-B755-853C36708877}"/>
+              </a:ext>
+            </a:extLst>
+          </p:cNvPr>
+          <p:cNvSpPr>
+            <a:spLocks noGrp="1"/>
+          </p:cNvSpPr>
+          <p:nvPr>
+            <p:ph type="title"/>
+          </p:nvPr>
+        </p:nvSpPr>
+        <p:spPr>
+          <a:xfrm>
+            <a:off x="788126" y="0"/>
+            <a:ext cx="9601200" cy="1485900"/>
+          </a:xfrm>
+        </p:spPr>
+        <p:txBody>
+          <a:bodyPr>
+            <a:normAutofit/>
+          </a:bodyPr>
+          <a:lstStyle/>
+          <a:p>
+            <a:r>
+              <a:rPr lang="ru-RU" sz="6000" dirty="0"/>
+              <a:t>Заключение</a:t>
+            </a:r>
+          </a:p>
+        </p:txBody>
+      </p:sp>
+      <p:sp>
+        <p:nvSpPr>
+          <p:cNvPr id="3" name="Объект 2">
+            <a:extLst>
+              <a:ext uri="{FF2B5EF4-FFF2-40B4-BE49-F238E27FC236}">
+                <a16:creationId xmlns:a16="http://schemas.microsoft.com/office/drawing/2014/main" id="{A713939B-7D54-416B-BC51-4A6D2258B1D9}"/>
+              </a:ext>
+            </a:extLst>
+          </p:cNvPr>
+          <p:cNvSpPr>
+            <a:spLocks noGrp="1"/>
+          </p:cNvSpPr>
+          <p:nvPr>
+            <p:ph idx="1"/>
+          </p:nvPr>
+        </p:nvSpPr>
+        <p:spPr>
+          <a:xfrm>
+            <a:off x="788126" y="1084218"/>
+            <a:ext cx="11403874" cy="5220788"/>
+          </a:xfrm>
+        </p:spPr>
+        <p:txBody>
+          <a:bodyPr>
+            <a:normAutofit lnSpcReduction="10000"/>
+          </a:bodyPr>
+          <a:lstStyle/>
+          <a:p>
+            <a:r>
+              <a:rPr lang="ru-RU" sz="2800" dirty="0"/>
+              <a:t>В результате выполненной работы был произведен анализ предметной области «Поликлиника», определены основные процессы, происходящие в системе, спроектирована система хранения данных, описана реализация бизнес-логики.</a:t>
+            </a:r>
+            <a:endParaRPr lang="ru-RU" sz="2800" b="1" dirty="0"/>
+          </a:p>
+          <a:p>
+            <a:r>
+              <a:rPr lang="ru-RU" sz="2800" dirty="0"/>
+              <a:t>Были разработаны страницы регистрации, авторизации, меню, подтверждения данных, присвоения ролей пользователям, списка заявлений, осмотров, пациентов, врачей, лаборантов, врачей функциональной диагностики, мед регистраторов, анализов, обследований.</a:t>
+            </a:r>
+            <a:endParaRPr lang="ru-RU" sz="2800" b="1" dirty="0"/>
+          </a:p>
+          <a:p>
+            <a:r>
+              <a:rPr lang="ru-RU" sz="2800" dirty="0"/>
+              <a:t>Был спроектирован </a:t>
+            </a:r>
+            <a:r>
+              <a:rPr lang="ru-RU" sz="2800" dirty="0" err="1"/>
+              <a:t>микросервис</a:t>
+            </a:r>
+            <a:r>
+              <a:rPr lang="ru-RU" sz="2800" dirty="0"/>
+              <a:t> позволяющий автоматически отправлять уведомления на почту.</a:t>
+            </a:r>
+            <a:endParaRPr lang="ru-RU" sz="2800" b="1" dirty="0"/>
+          </a:p>
+          <a:p>
+            <a:r>
+              <a:rPr lang="en-US" sz="2800" dirty="0" err="1"/>
+              <a:t>Текущее</a:t>
+            </a:r>
+            <a:r>
+              <a:rPr lang="en-US" sz="2800" dirty="0"/>
+              <a:t> </a:t>
+            </a:r>
+            <a:r>
+              <a:rPr lang="en-US" sz="2800" dirty="0" err="1"/>
+              <a:t>состояние</a:t>
+            </a:r>
+            <a:r>
+              <a:rPr lang="en-US" sz="2800" dirty="0"/>
+              <a:t> </a:t>
+            </a:r>
+            <a:r>
+              <a:rPr lang="en-US" sz="2800" dirty="0" err="1"/>
+              <a:t>системы</a:t>
+            </a:r>
+            <a:r>
+              <a:rPr lang="en-US" sz="2800" dirty="0"/>
+              <a:t> </a:t>
+            </a:r>
+            <a:r>
+              <a:rPr lang="en-US" sz="2800" dirty="0" err="1"/>
+              <a:t>позволяет</a:t>
+            </a:r>
+            <a:r>
+              <a:rPr lang="en-US" sz="2800" dirty="0"/>
+              <a:t> </a:t>
+            </a:r>
+            <a:r>
+              <a:rPr lang="en-US" sz="2800" dirty="0" err="1"/>
+              <a:t>ее</a:t>
+            </a:r>
+            <a:r>
+              <a:rPr lang="en-US" sz="2800" dirty="0"/>
+              <a:t> </a:t>
+            </a:r>
+            <a:r>
+              <a:rPr lang="en-US" sz="2800" dirty="0" err="1"/>
+              <a:t>использование</a:t>
+            </a:r>
+            <a:r>
+              <a:rPr lang="en-US" sz="2800" dirty="0"/>
+              <a:t> в </a:t>
+            </a:r>
+            <a:r>
+              <a:rPr lang="en-US" sz="2800" dirty="0" err="1"/>
+              <a:t>реальной</a:t>
+            </a:r>
+            <a:r>
+              <a:rPr lang="en-US" sz="2800" dirty="0"/>
+              <a:t> </a:t>
+            </a:r>
+            <a:r>
+              <a:rPr lang="en-US" sz="2800" dirty="0" err="1"/>
+              <a:t>поликлинике</a:t>
+            </a:r>
+            <a:r>
+              <a:rPr lang="en-US" sz="2800" dirty="0"/>
+              <a:t>.</a:t>
+            </a:r>
+            <a:endParaRPr lang="ru-RU" sz="2800" dirty="0"/>
+          </a:p>
+        </p:txBody>
+      </p:sp>
+      <p:sp>
+        <p:nvSpPr>
+          <p:cNvPr id="4" name="Номер слайда 3">
+            <a:extLst>
+              <a:ext uri="{FF2B5EF4-FFF2-40B4-BE49-F238E27FC236}">
+                <a16:creationId xmlns:a16="http://schemas.microsoft.com/office/drawing/2014/main" id="{79A187E3-0AC3-494B-A3EC-4F8342768729}"/>
+              </a:ext>
+            </a:extLst>
+          </p:cNvPr>
+          <p:cNvSpPr>
+            <a:spLocks noGrp="1"/>
+          </p:cNvSpPr>
+          <p:nvPr>
+            <p:ph type="sldNum" sz="quarter" idx="12"/>
+          </p:nvPr>
+        </p:nvSpPr>
+        <p:spPr/>
+        <p:txBody>
+          <a:bodyPr/>
+          <a:lstStyle/>
+          <a:p>
+            <a:fld id="{69E57DC2-970A-4B3E-BB1C-7A09969E49DF}" type="slidenum">
+              <a:rPr lang="en-US" sz="2000" smtClean="0"/>
+              <a:t>45</a:t>
+            </a:fld>
+            <a:endParaRPr lang="en-US" sz="2000" dirty="0"/>
+          </a:p>
+        </p:txBody>
+      </p:sp>
+    </p:spTree>
+    <p:extLst>
+      <p:ext uri="{BB962C8B-B14F-4D97-AF65-F5344CB8AC3E}">
+        <p14:creationId xmlns:p14="http://schemas.microsoft.com/office/powerpoint/2010/main" val="4191386516"/>
       </p:ext>
     </p:extLst>
   </p:cSld>
@@ -9446,6 +12208,35 @@
           </a:prstGeom>
         </p:spPr>
       </p:pic>
+      <p:sp>
+        <p:nvSpPr>
+          <p:cNvPr id="4" name="Номер слайда 3">
+            <a:extLst>
+              <a:ext uri="{FF2B5EF4-FFF2-40B4-BE49-F238E27FC236}">
+                <a16:creationId xmlns:a16="http://schemas.microsoft.com/office/drawing/2014/main" id="{ABF19A2E-CC70-4333-8DB3-CCB8A209E16F}"/>
+              </a:ext>
+            </a:extLst>
+          </p:cNvPr>
+          <p:cNvSpPr>
+            <a:spLocks noGrp="1"/>
+          </p:cNvSpPr>
+          <p:nvPr>
+            <p:ph type="sldNum" sz="quarter" idx="12"/>
+          </p:nvPr>
+        </p:nvSpPr>
+        <p:spPr/>
+        <p:txBody>
+          <a:bodyPr/>
+          <a:lstStyle/>
+          <a:p>
+            <a:fld id="{69E57DC2-970A-4B3E-BB1C-7A09969E49DF}" type="slidenum">
+              <a:rPr lang="en-US" sz="2000" smtClean="0"/>
+              <a:t>5</a:t>
+            </a:fld>
+            <a:endParaRPr lang="en-US" sz="2000" dirty="0"/>
+          </a:p>
+        </p:txBody>
+      </p:sp>
     </p:spTree>
     <p:extLst>
       <p:ext uri="{BB962C8B-B14F-4D97-AF65-F5344CB8AC3E}">
@@ -9597,14 +12388,43 @@
         </p:blipFill>
         <p:spPr>
           <a:xfrm>
-            <a:off x="8457679" y="0"/>
-            <a:ext cx="3734321" cy="6601746"/>
+            <a:off x="8457680" y="0"/>
+            <a:ext cx="3714250" cy="6566263"/>
           </a:xfrm>
           <a:prstGeom prst="rect">
             <a:avLst/>
           </a:prstGeom>
         </p:spPr>
       </p:pic>
+      <p:sp>
+        <p:nvSpPr>
+          <p:cNvPr id="4" name="Номер слайда 3">
+            <a:extLst>
+              <a:ext uri="{FF2B5EF4-FFF2-40B4-BE49-F238E27FC236}">
+                <a16:creationId xmlns:a16="http://schemas.microsoft.com/office/drawing/2014/main" id="{014AD5E3-A8B7-44D4-BF5E-52412AC6C0A4}"/>
+              </a:ext>
+            </a:extLst>
+          </p:cNvPr>
+          <p:cNvSpPr>
+            <a:spLocks noGrp="1"/>
+          </p:cNvSpPr>
+          <p:nvPr>
+            <p:ph type="sldNum" sz="quarter" idx="12"/>
+          </p:nvPr>
+        </p:nvSpPr>
+        <p:spPr/>
+        <p:txBody>
+          <a:bodyPr/>
+          <a:lstStyle/>
+          <a:p>
+            <a:fld id="{69E57DC2-970A-4B3E-BB1C-7A09969E49DF}" type="slidenum">
+              <a:rPr lang="en-US" sz="2000" smtClean="0"/>
+              <a:t>6</a:t>
+            </a:fld>
+            <a:endParaRPr lang="en-US" sz="2000" dirty="0"/>
+          </a:p>
+        </p:txBody>
+      </p:sp>
     </p:spTree>
     <p:extLst>
       <p:ext uri="{BB962C8B-B14F-4D97-AF65-F5344CB8AC3E}">
@@ -9675,31 +12495,6 @@
           </a:p>
         </p:txBody>
       </p:sp>
-      <p:sp>
-        <p:nvSpPr>
-          <p:cNvPr id="3" name="Объект 2">
-            <a:extLst>
-              <a:ext uri="{FF2B5EF4-FFF2-40B4-BE49-F238E27FC236}">
-                <a16:creationId xmlns:a16="http://schemas.microsoft.com/office/drawing/2014/main" id="{4780F9C8-04AC-4F2A-B6AD-A17BA151CF36}"/>
-              </a:ext>
-            </a:extLst>
-          </p:cNvPr>
-          <p:cNvSpPr>
-            <a:spLocks noGrp="1"/>
-          </p:cNvSpPr>
-          <p:nvPr>
-            <p:ph idx="1"/>
-          </p:nvPr>
-        </p:nvSpPr>
-        <p:spPr/>
-        <p:txBody>
-          <a:bodyPr/>
-          <a:lstStyle/>
-          <a:p>
-            <a:endParaRPr lang="ru-RU" dirty="0"/>
-          </a:p>
-        </p:txBody>
-      </p:sp>
       <p:pic>
         <p:nvPicPr>
           <p:cNvPr id="5" name="Рисунок 4">
@@ -9722,7 +12517,7 @@
         </p:blipFill>
         <p:spPr>
           <a:xfrm>
-            <a:off x="3334437" y="0"/>
+            <a:off x="3476078" y="0"/>
             <a:ext cx="5065655" cy="6858000"/>
           </a:xfrm>
           <a:prstGeom prst="rect">
@@ -9752,14 +12547,43 @@
         </p:blipFill>
         <p:spPr>
           <a:xfrm>
-            <a:off x="8628826" y="0"/>
-            <a:ext cx="3563173" cy="6659859"/>
+            <a:off x="8678903" y="0"/>
+            <a:ext cx="3513097" cy="6566263"/>
           </a:xfrm>
           <a:prstGeom prst="rect">
             <a:avLst/>
           </a:prstGeom>
         </p:spPr>
       </p:pic>
+      <p:sp>
+        <p:nvSpPr>
+          <p:cNvPr id="6" name="Номер слайда 5">
+            <a:extLst>
+              <a:ext uri="{FF2B5EF4-FFF2-40B4-BE49-F238E27FC236}">
+                <a16:creationId xmlns:a16="http://schemas.microsoft.com/office/drawing/2014/main" id="{D3949F51-B935-4991-8201-DC0D8FFFB907}"/>
+              </a:ext>
+            </a:extLst>
+          </p:cNvPr>
+          <p:cNvSpPr>
+            <a:spLocks noGrp="1"/>
+          </p:cNvSpPr>
+          <p:nvPr>
+            <p:ph type="sldNum" sz="quarter" idx="12"/>
+          </p:nvPr>
+        </p:nvSpPr>
+        <p:spPr/>
+        <p:txBody>
+          <a:bodyPr/>
+          <a:lstStyle/>
+          <a:p>
+            <a:fld id="{69E57DC2-970A-4B3E-BB1C-7A09969E49DF}" type="slidenum">
+              <a:rPr lang="en-US" sz="2000" smtClean="0"/>
+              <a:t>7</a:t>
+            </a:fld>
+            <a:endParaRPr lang="en-US" sz="2000" dirty="0"/>
+          </a:p>
+        </p:txBody>
+      </p:sp>
     </p:spTree>
     <p:extLst>
       <p:ext uri="{BB962C8B-B14F-4D97-AF65-F5344CB8AC3E}">
@@ -10100,6 +12924,35 @@
           </a:p>
         </p:txBody>
       </p:sp>
+      <p:sp>
+        <p:nvSpPr>
+          <p:cNvPr id="5" name="Номер слайда 4">
+            <a:extLst>
+              <a:ext uri="{FF2B5EF4-FFF2-40B4-BE49-F238E27FC236}">
+                <a16:creationId xmlns:a16="http://schemas.microsoft.com/office/drawing/2014/main" id="{3E07E327-B559-41C9-AFA9-822DE9AF2CFB}"/>
+              </a:ext>
+            </a:extLst>
+          </p:cNvPr>
+          <p:cNvSpPr>
+            <a:spLocks noGrp="1"/>
+          </p:cNvSpPr>
+          <p:nvPr>
+            <p:ph type="sldNum" sz="quarter" idx="12"/>
+          </p:nvPr>
+        </p:nvSpPr>
+        <p:spPr/>
+        <p:txBody>
+          <a:bodyPr/>
+          <a:lstStyle/>
+          <a:p>
+            <a:fld id="{69E57DC2-970A-4B3E-BB1C-7A09969E49DF}" type="slidenum">
+              <a:rPr lang="en-US" sz="2000" smtClean="0"/>
+              <a:t>8</a:t>
+            </a:fld>
+            <a:endParaRPr lang="en-US" sz="2000" dirty="0"/>
+          </a:p>
+        </p:txBody>
+      </p:sp>
     </p:spTree>
     <p:extLst>
       <p:ext uri="{BB962C8B-B14F-4D97-AF65-F5344CB8AC3E}">
@@ -10401,6 +13254,35 @@
               <a:t>).</a:t>
             </a:r>
             <a:endParaRPr lang="ru-RU" dirty="0"/>
+          </a:p>
+        </p:txBody>
+      </p:sp>
+      <p:sp>
+        <p:nvSpPr>
+          <p:cNvPr id="5" name="Номер слайда 4">
+            <a:extLst>
+              <a:ext uri="{FF2B5EF4-FFF2-40B4-BE49-F238E27FC236}">
+                <a16:creationId xmlns:a16="http://schemas.microsoft.com/office/drawing/2014/main" id="{86A0EE2C-7AA3-4919-B59D-C42CB1325312}"/>
+              </a:ext>
+            </a:extLst>
+          </p:cNvPr>
+          <p:cNvSpPr>
+            <a:spLocks noGrp="1"/>
+          </p:cNvSpPr>
+          <p:nvPr>
+            <p:ph type="sldNum" sz="quarter" idx="12"/>
+          </p:nvPr>
+        </p:nvSpPr>
+        <p:spPr/>
+        <p:txBody>
+          <a:bodyPr/>
+          <a:lstStyle/>
+          <a:p>
+            <a:fld id="{69E57DC2-970A-4B3E-BB1C-7A09969E49DF}" type="slidenum">
+              <a:rPr lang="en-US" sz="2000" smtClean="0"/>
+              <a:t>9</a:t>
+            </a:fld>
+            <a:endParaRPr lang="en-US" sz="2000" dirty="0"/>
           </a:p>
         </p:txBody>
       </p:sp>
@@ -10673,4 +13555,299 @@
     </a:ext>
   </a:extLst>
 </a:theme>
+</file>
+
+<file path=ppt/theme/theme2.xml><?xml version="1.0" encoding="utf-8"?>
+<a:theme xmlns:a="http://schemas.openxmlformats.org/drawingml/2006/main" name="Тема Office">
+  <a:themeElements>
+    <a:clrScheme name="Стандартная">
+      <a:dk1>
+        <a:sysClr val="windowText" lastClr="000000"/>
+      </a:dk1>
+      <a:lt1>
+        <a:sysClr val="window" lastClr="FFFFFF"/>
+      </a:lt1>
+      <a:dk2>
+        <a:srgbClr val="44546A"/>
+      </a:dk2>
+      <a:lt2>
+        <a:srgbClr val="E7E6E6"/>
+      </a:lt2>
+      <a:accent1>
+        <a:srgbClr val="4472C4"/>
+      </a:accent1>
+      <a:accent2>
+        <a:srgbClr val="ED7D31"/>
+      </a:accent2>
+      <a:accent3>
+        <a:srgbClr val="A5A5A5"/>
+      </a:accent3>
+      <a:accent4>
+        <a:srgbClr val="FFC000"/>
+      </a:accent4>
+      <a:accent5>
+        <a:srgbClr val="5B9BD5"/>
+      </a:accent5>
+      <a:accent6>
+        <a:srgbClr val="70AD47"/>
+      </a:accent6>
+      <a:hlink>
+        <a:srgbClr val="0563C1"/>
+      </a:hlink>
+      <a:folHlink>
+        <a:srgbClr val="954F72"/>
+      </a:folHlink>
+    </a:clrScheme>
+    <a:fontScheme name="Стандартная">
+      <a:majorFont>
+        <a:latin typeface="Calibri Light" panose="020F0302020204030204"/>
+        <a:ea typeface=""/>
+        <a:cs typeface=""/>
+        <a:font script="Jpan" typeface="游ゴシック Light"/>
+        <a:font script="Hang" typeface="맑은 고딕"/>
+        <a:font script="Hans" typeface="等线 Light"/>
+        <a:font script="Hant" typeface="新細明體"/>
+        <a:font script="Arab" typeface="Times New Roman"/>
+        <a:font script="Hebr" typeface="Times New Roman"/>
+        <a:font script="Thai" typeface="Angsana New"/>
+        <a:font script="Ethi" typeface="Nyala"/>
+        <a:font script="Beng" typeface="Vrinda"/>
+        <a:font script="Gujr" typeface="Shruti"/>
+        <a:font script="Khmr" typeface="MoolBoran"/>
+        <a:font script="Knda" typeface="Tunga"/>
+        <a:font script="Guru" typeface="Raavi"/>
+        <a:font script="Cans" typeface="Euphemia"/>
+        <a:font script="Cher" typeface="Plantagenet Cherokee"/>
+        <a:font script="Yiii" typeface="Microsoft Yi Baiti"/>
+        <a:font script="Tibt" typeface="Microsoft Himalaya"/>
+        <a:font script="Thaa" typeface="MV Boli"/>
+        <a:font script="Deva" typeface="Mangal"/>
+        <a:font script="Telu" typeface="Gautami"/>
+        <a:font script="Taml" typeface="Latha"/>
+        <a:font script="Syrc" typeface="Estrangelo Edessa"/>
+        <a:font script="Orya" typeface="Kalinga"/>
+        <a:font script="Mlym" typeface="Kartika"/>
+        <a:font script="Laoo" typeface="DokChampa"/>
+        <a:font script="Sinh" typeface="Iskoola Pota"/>
+        <a:font script="Mong" typeface="Mongolian Baiti"/>
+        <a:font script="Viet" typeface="Times New Roman"/>
+        <a:font script="Uigh" typeface="Microsoft Uighur"/>
+        <a:font script="Geor" typeface="Sylfaen"/>
+        <a:font script="Armn" typeface="Arial"/>
+        <a:font script="Bugi" typeface="Leelawadee UI"/>
+        <a:font script="Bopo" typeface="Microsoft JhengHei"/>
+        <a:font script="Java" typeface="Javanese Text"/>
+        <a:font script="Lisu" typeface="Segoe UI"/>
+        <a:font script="Mymr" typeface="Myanmar Text"/>
+        <a:font script="Nkoo" typeface="Ebrima"/>
+        <a:font script="Olck" typeface="Nirmala UI"/>
+        <a:font script="Osma" typeface="Ebrima"/>
+        <a:font script="Phag" typeface="Phagspa"/>
+        <a:font script="Syrn" typeface="Estrangelo Edessa"/>
+        <a:font script="Syrj" typeface="Estrangelo Edessa"/>
+        <a:font script="Syre" typeface="Estrangelo Edessa"/>
+        <a:font script="Sora" typeface="Nirmala UI"/>
+        <a:font script="Tale" typeface="Microsoft Tai Le"/>
+        <a:font script="Talu" typeface="Microsoft New Tai Lue"/>
+        <a:font script="Tfng" typeface="Ebrima"/>
+      </a:majorFont>
+      <a:minorFont>
+        <a:latin typeface="Calibri" panose="020F0502020204030204"/>
+        <a:ea typeface=""/>
+        <a:cs typeface=""/>
+        <a:font script="Jpan" typeface="游ゴシック"/>
+        <a:font script="Hang" typeface="맑은 고딕"/>
+        <a:font script="Hans" typeface="等线"/>
+        <a:font script="Hant" typeface="新細明體"/>
+        <a:font script="Arab" typeface="Arial"/>
+        <a:font script="Hebr" typeface="Arial"/>
+        <a:font script="Thai" typeface="Cordia New"/>
+        <a:font script="Ethi" typeface="Nyala"/>
+        <a:font script="Beng" typeface="Vrinda"/>
+        <a:font script="Gujr" typeface="Shruti"/>
+        <a:font script="Khmr" typeface="DaunPenh"/>
+        <a:font script="Knda" typeface="Tunga"/>
+        <a:font script="Guru" typeface="Raavi"/>
+        <a:font script="Cans" typeface="Euphemia"/>
+        <a:font script="Cher" typeface="Plantagenet Cherokee"/>
+        <a:font script="Yiii" typeface="Microsoft Yi Baiti"/>
+        <a:font script="Tibt" typeface="Microsoft Himalaya"/>
+        <a:font script="Thaa" typeface="MV Boli"/>
+        <a:font script="Deva" typeface="Mangal"/>
+        <a:font script="Telu" typeface="Gautami"/>
+        <a:font script="Taml" typeface="Latha"/>
+        <a:font script="Syrc" typeface="Estrangelo Edessa"/>
+        <a:font script="Orya" typeface="Kalinga"/>
+        <a:font script="Mlym" typeface="Kartika"/>
+        <a:font script="Laoo" typeface="DokChampa"/>
+        <a:font script="Sinh" typeface="Iskoola Pota"/>
+        <a:font script="Mong" typeface="Mongolian Baiti"/>
+        <a:font script="Viet" typeface="Arial"/>
+        <a:font script="Uigh" typeface="Microsoft Uighur"/>
+        <a:font script="Geor" typeface="Sylfaen"/>
+        <a:font script="Armn" typeface="Arial"/>
+        <a:font script="Bugi" typeface="Leelawadee UI"/>
+        <a:font script="Bopo" typeface="Microsoft JhengHei"/>
+        <a:font script="Java" typeface="Javanese Text"/>
+        <a:font script="Lisu" typeface="Segoe UI"/>
+        <a:font script="Mymr" typeface="Myanmar Text"/>
+        <a:font script="Nkoo" typeface="Ebrima"/>
+        <a:font script="Olck" typeface="Nirmala UI"/>
+        <a:font script="Osma" typeface="Ebrima"/>
+        <a:font script="Phag" typeface="Phagspa"/>
+        <a:font script="Syrn" typeface="Estrangelo Edessa"/>
+        <a:font script="Syrj" typeface="Estrangelo Edessa"/>
+        <a:font script="Syre" typeface="Estrangelo Edessa"/>
+        <a:font script="Sora" typeface="Nirmala UI"/>
+        <a:font script="Tale" typeface="Microsoft Tai Le"/>
+        <a:font script="Talu" typeface="Microsoft New Tai Lue"/>
+        <a:font script="Tfng" typeface="Ebrima"/>
+      </a:minorFont>
+    </a:fontScheme>
+    <a:fmtScheme name="Стандартная">
+      <a:fillStyleLst>
+        <a:solidFill>
+          <a:schemeClr val="phClr"/>
+        </a:solidFill>
+        <a:gradFill rotWithShape="1">
+          <a:gsLst>
+            <a:gs pos="0">
+              <a:schemeClr val="phClr">
+                <a:lumMod val="110000"/>
+                <a:satMod val="105000"/>
+                <a:tint val="67000"/>
+              </a:schemeClr>
+            </a:gs>
+            <a:gs pos="50000">
+              <a:schemeClr val="phClr">
+                <a:lumMod val="105000"/>
+                <a:satMod val="103000"/>
+                <a:tint val="73000"/>
+              </a:schemeClr>
+            </a:gs>
+            <a:gs pos="100000">
+              <a:schemeClr val="phClr">
+                <a:lumMod val="105000"/>
+                <a:satMod val="109000"/>
+                <a:tint val="81000"/>
+              </a:schemeClr>
+            </a:gs>
+          </a:gsLst>
+          <a:lin ang="5400000" scaled="0"/>
+        </a:gradFill>
+        <a:gradFill rotWithShape="1">
+          <a:gsLst>
+            <a:gs pos="0">
+              <a:schemeClr val="phClr">
+                <a:satMod val="103000"/>
+                <a:lumMod val="102000"/>
+                <a:tint val="94000"/>
+              </a:schemeClr>
+            </a:gs>
+            <a:gs pos="50000">
+              <a:schemeClr val="phClr">
+                <a:satMod val="110000"/>
+                <a:lumMod val="100000"/>
+                <a:shade val="100000"/>
+              </a:schemeClr>
+            </a:gs>
+            <a:gs pos="100000">
+              <a:schemeClr val="phClr">
+                <a:lumMod val="99000"/>
+                <a:satMod val="120000"/>
+                <a:shade val="78000"/>
+              </a:schemeClr>
+            </a:gs>
+          </a:gsLst>
+          <a:lin ang="5400000" scaled="0"/>
+        </a:gradFill>
+      </a:fillStyleLst>
+      <a:lnStyleLst>
+        <a:ln w="6350" cap="flat" cmpd="sng" algn="ctr">
+          <a:solidFill>
+            <a:schemeClr val="phClr"/>
+          </a:solidFill>
+          <a:prstDash val="solid"/>
+          <a:miter lim="800000"/>
+        </a:ln>
+        <a:ln w="12700" cap="flat" cmpd="sng" algn="ctr">
+          <a:solidFill>
+            <a:schemeClr val="phClr"/>
+          </a:solidFill>
+          <a:prstDash val="solid"/>
+          <a:miter lim="800000"/>
+        </a:ln>
+        <a:ln w="19050" cap="flat" cmpd="sng" algn="ctr">
+          <a:solidFill>
+            <a:schemeClr val="phClr"/>
+          </a:solidFill>
+          <a:prstDash val="solid"/>
+          <a:miter lim="800000"/>
+        </a:ln>
+      </a:lnStyleLst>
+      <a:effectStyleLst>
+        <a:effectStyle>
+          <a:effectLst/>
+        </a:effectStyle>
+        <a:effectStyle>
+          <a:effectLst/>
+        </a:effectStyle>
+        <a:effectStyle>
+          <a:effectLst>
+            <a:outerShdw blurRad="57150" dist="19050" dir="5400000" algn="ctr" rotWithShape="0">
+              <a:srgbClr val="000000">
+                <a:alpha val="63000"/>
+              </a:srgbClr>
+            </a:outerShdw>
+          </a:effectLst>
+        </a:effectStyle>
+      </a:effectStyleLst>
+      <a:bgFillStyleLst>
+        <a:solidFill>
+          <a:schemeClr val="phClr"/>
+        </a:solidFill>
+        <a:solidFill>
+          <a:schemeClr val="phClr">
+            <a:tint val="95000"/>
+            <a:satMod val="170000"/>
+          </a:schemeClr>
+        </a:solidFill>
+        <a:gradFill rotWithShape="1">
+          <a:gsLst>
+            <a:gs pos="0">
+              <a:schemeClr val="phClr">
+                <a:tint val="93000"/>
+                <a:satMod val="150000"/>
+                <a:shade val="98000"/>
+                <a:lumMod val="102000"/>
+              </a:schemeClr>
+            </a:gs>
+            <a:gs pos="50000">
+              <a:schemeClr val="phClr">
+                <a:tint val="98000"/>
+                <a:satMod val="130000"/>
+                <a:shade val="90000"/>
+                <a:lumMod val="103000"/>
+              </a:schemeClr>
+            </a:gs>
+            <a:gs pos="100000">
+              <a:schemeClr val="phClr">
+                <a:shade val="63000"/>
+                <a:satMod val="120000"/>
+              </a:schemeClr>
+            </a:gs>
+          </a:gsLst>
+          <a:lin ang="5400000" scaled="0"/>
+        </a:gradFill>
+      </a:bgFillStyleLst>
+    </a:fmtScheme>
+  </a:themeElements>
+  <a:objectDefaults/>
+  <a:extraClrSchemeLst/>
+  <a:extLst>
+    <a:ext uri="{05A4C25C-085E-4340-85A3-A5531E510DB2}">
+      <thm15:themeFamily xmlns:thm15="http://schemas.microsoft.com/office/thememl/2012/main" name="Office Theme" id="{62F939B6-93AF-4DB8-9C6B-D6C7DFDC589F}" vid="{4A3C46E8-61CC-4603-A589-7422A47A8E4A}"/>
+    </a:ext>
+  </a:extLst>
+</a:theme>
 </file>